--- a/java_ppt/4장-매서드(함수).pptx
+++ b/java_ppt/4장-매서드(함수).pptx
@@ -138,7 +138,7 @@
   </p:defaultTextStyle>
   <p:extLst>
     <p:ext uri="{EFAFB233-063F-42B5-8137-9DF3F51BA10A}">
-      <p15:sldGuideLst xmlns="" xmlns:p15="http://schemas.microsoft.com/office/powerpoint/2012/main">
+      <p15:sldGuideLst xmlns:p15="http://schemas.microsoft.com/office/powerpoint/2012/main">
         <p15:guide id="1" orient="horz" pos="2160">
           <p15:clr>
             <a:srgbClr val="A4A3A4"/>
@@ -237,7 +237,7 @@
           <a:p>
             <a:fld id="{7665CDAC-D627-4E87-877A-1B781DD4CADC}" type="datetimeFigureOut">
               <a:rPr lang="ko-KR" altLang="en-US" smtClean="0"/>
-              <a:t>2022-07-09</a:t>
+              <a:t>2023-05-17</a:t>
             </a:fld>
             <a:endParaRPr lang="ko-KR" altLang="en-US"/>
           </a:p>
@@ -775,7 +775,7 @@
           <a:p>
             <a:fld id="{F4AC81B4-D91A-4578-85B3-829E63FCFE17}" type="datetime1">
               <a:rPr lang="ko-KR" altLang="en-US" smtClean="0"/>
-              <a:t>2022-07-09</a:t>
+              <a:t>2023-05-17</a:t>
             </a:fld>
             <a:endParaRPr lang="ko-KR" altLang="en-US"/>
           </a:p>
@@ -1150,7 +1150,7 @@
           <a:p>
             <a:fld id="{F5B77542-37E5-48F2-BAE7-80CC6B0EB6A3}" type="datetime1">
               <a:rPr lang="ko-KR" altLang="en-US" smtClean="0"/>
-              <a:t>2022-07-09</a:t>
+              <a:t>2023-05-17</a:t>
             </a:fld>
             <a:endParaRPr lang="ko-KR" altLang="en-US"/>
           </a:p>
@@ -1330,7 +1330,7 @@
           <a:p>
             <a:fld id="{227CF174-B5AC-4A98-B673-0BE8126D3F27}" type="datetime1">
               <a:rPr lang="ko-KR" altLang="en-US" smtClean="0"/>
-              <a:t>2022-07-09</a:t>
+              <a:t>2023-05-17</a:t>
             </a:fld>
             <a:endParaRPr lang="ko-KR" altLang="en-US"/>
           </a:p>
@@ -1504,7 +1504,7 @@
           <a:p>
             <a:fld id="{E20FDEC8-1339-42E8-9704-2977280C2FD3}" type="datetime1">
               <a:rPr lang="ko-KR" altLang="en-US" smtClean="0"/>
-              <a:t>2022-07-09</a:t>
+              <a:t>2023-05-17</a:t>
             </a:fld>
             <a:endParaRPr lang="ko-KR" altLang="en-US"/>
           </a:p>
@@ -1750,7 +1750,7 @@
           <a:p>
             <a:fld id="{4D18DC76-A282-4817-B790-197F054E1215}" type="datetime1">
               <a:rPr lang="ko-KR" altLang="en-US" smtClean="0"/>
-              <a:t>2022-07-09</a:t>
+              <a:t>2023-05-17</a:t>
             </a:fld>
             <a:endParaRPr lang="ko-KR" altLang="en-US"/>
           </a:p>
@@ -2038,7 +2038,7 @@
           <a:p>
             <a:fld id="{6680AA6C-13D8-43E4-90F0-E6C88A2B9F16}" type="datetime1">
               <a:rPr lang="ko-KR" altLang="en-US" smtClean="0"/>
-              <a:t>2022-07-09</a:t>
+              <a:t>2023-05-17</a:t>
             </a:fld>
             <a:endParaRPr lang="ko-KR" altLang="en-US"/>
           </a:p>
@@ -2460,7 +2460,7 @@
           <a:p>
             <a:fld id="{3EF5B03B-20CC-436E-8601-C933C6C1F4A6}" type="datetime1">
               <a:rPr lang="ko-KR" altLang="en-US" smtClean="0"/>
-              <a:t>2022-07-09</a:t>
+              <a:t>2023-05-17</a:t>
             </a:fld>
             <a:endParaRPr lang="ko-KR" altLang="en-US"/>
           </a:p>
@@ -2578,7 +2578,7 @@
           <a:p>
             <a:fld id="{87B5A15D-8B08-482F-AB47-E416EC355EB6}" type="datetime1">
               <a:rPr lang="ko-KR" altLang="en-US" smtClean="0"/>
-              <a:t>2022-07-09</a:t>
+              <a:t>2023-05-17</a:t>
             </a:fld>
             <a:endParaRPr lang="ko-KR" altLang="en-US"/>
           </a:p>
@@ -2673,7 +2673,7 @@
           <a:p>
             <a:fld id="{A877D7F8-7B64-44F8-A411-CBD22F28CBFF}" type="datetime1">
               <a:rPr lang="ko-KR" altLang="en-US" smtClean="0"/>
-              <a:t>2022-07-09</a:t>
+              <a:t>2023-05-17</a:t>
             </a:fld>
             <a:endParaRPr lang="ko-KR" altLang="en-US"/>
           </a:p>
@@ -2950,7 +2950,7 @@
           <a:p>
             <a:fld id="{E12DBD9B-2BB6-4D1F-BCB4-1E48829C93C3}" type="datetime1">
               <a:rPr lang="ko-KR" altLang="en-US" smtClean="0"/>
-              <a:t>2022-07-09</a:t>
+              <a:t>2023-05-17</a:t>
             </a:fld>
             <a:endParaRPr lang="ko-KR" altLang="en-US"/>
           </a:p>
@@ -3203,7 +3203,7 @@
           <a:p>
             <a:fld id="{17564C48-0CD7-40EB-BE64-BBF4DB8C56AF}" type="datetime1">
               <a:rPr lang="ko-KR" altLang="en-US" smtClean="0"/>
-              <a:t>2022-07-09</a:t>
+              <a:t>2023-05-17</a:t>
             </a:fld>
             <a:endParaRPr lang="ko-KR" altLang="en-US"/>
           </a:p>
@@ -3383,7 +3383,7 @@
           <a:p>
             <a:fld id="{C116BCB4-B68B-4638-8167-F4BDC0A30DA1}" type="datetime1">
               <a:rPr lang="ko-KR" altLang="en-US" smtClean="0"/>
-              <a:t>2022-07-09</a:t>
+              <a:t>2023-05-17</a:t>
             </a:fld>
             <a:endParaRPr lang="ko-KR" altLang="en-US"/>
           </a:p>
@@ -4265,7 +4265,7 @@
           <p:cNvPr id="7" name="내용 개체 틀 2">
             <a:extLst>
               <a:ext uri="{FF2B5EF4-FFF2-40B4-BE49-F238E27FC236}">
-                <a16:creationId xmlns="" xmlns:a16="http://schemas.microsoft.com/office/drawing/2014/main" id="{98AF3A4E-7D90-4241-89FE-799D6F9D5A94}"/>
+                <a16:creationId xmlns:a16="http://schemas.microsoft.com/office/drawing/2014/main" id="{98AF3A4E-7D90-4241-89FE-799D6F9D5A94}"/>
               </a:ext>
             </a:extLst>
           </p:cNvPr>
@@ -4563,7 +4563,7 @@
       </p:sp>
       <p:pic>
         <p:nvPicPr>
-          <p:cNvPr id="3" name="그림 2"/>
+          <p:cNvPr id="2" name="그림 1"/>
           <p:cNvPicPr>
             <a:picLocks noChangeAspect="1"/>
           </p:cNvPicPr>
@@ -4583,8 +4583,8 @@
         </p:blipFill>
         <p:spPr>
           <a:xfrm>
-            <a:off x="1856656" y="2592592"/>
-            <a:ext cx="5250078" cy="3528392"/>
+            <a:off x="3100569" y="2204864"/>
+            <a:ext cx="4983855" cy="3888432"/>
           </a:xfrm>
           <a:prstGeom prst="rect">
             <a:avLst/>
@@ -4699,7 +4699,7 @@
           <p:cNvPr id="10" name="내용 개체 틀 2">
             <a:extLst>
               <a:ext uri="{FF2B5EF4-FFF2-40B4-BE49-F238E27FC236}">
-                <a16:creationId xmlns:a16="http://schemas.microsoft.com/office/drawing/2014/main" xmlns="" id="{98AF3A4E-7D90-4241-89FE-799D6F9D5A94}"/>
+                <a16:creationId xmlns:a16="http://schemas.microsoft.com/office/drawing/2014/main" id="{98AF3A4E-7D90-4241-89FE-799D6F9D5A94}"/>
               </a:ext>
             </a:extLst>
           </p:cNvPr>
@@ -5385,7 +5385,7 @@
           <p:cNvPr id="10" name="내용 개체 틀 2">
             <a:extLst>
               <a:ext uri="{FF2B5EF4-FFF2-40B4-BE49-F238E27FC236}">
-                <a16:creationId xmlns:a16="http://schemas.microsoft.com/office/drawing/2014/main" xmlns="" id="{98AF3A4E-7D90-4241-89FE-799D6F9D5A94}"/>
+                <a16:creationId xmlns:a16="http://schemas.microsoft.com/office/drawing/2014/main" id="{98AF3A4E-7D90-4241-89FE-799D6F9D5A94}"/>
               </a:ext>
             </a:extLst>
           </p:cNvPr>
@@ -5972,7 +5972,7 @@
           <p:cNvPr id="10" name="내용 개체 틀 2">
             <a:extLst>
               <a:ext uri="{FF2B5EF4-FFF2-40B4-BE49-F238E27FC236}">
-                <a16:creationId xmlns:a16="http://schemas.microsoft.com/office/drawing/2014/main" xmlns="" id="{98AF3A4E-7D90-4241-89FE-799D6F9D5A94}"/>
+                <a16:creationId xmlns:a16="http://schemas.microsoft.com/office/drawing/2014/main" id="{98AF3A4E-7D90-4241-89FE-799D6F9D5A94}"/>
               </a:ext>
             </a:extLst>
           </p:cNvPr>
@@ -6460,7 +6460,7 @@
           <p:cNvPr id="10" name="내용 개체 틀 2">
             <a:extLst>
               <a:ext uri="{FF2B5EF4-FFF2-40B4-BE49-F238E27FC236}">
-                <a16:creationId xmlns:a16="http://schemas.microsoft.com/office/drawing/2014/main" xmlns="" id="{98AF3A4E-7D90-4241-89FE-799D6F9D5A94}"/>
+                <a16:creationId xmlns:a16="http://schemas.microsoft.com/office/drawing/2014/main" id="{98AF3A4E-7D90-4241-89FE-799D6F9D5A94}"/>
               </a:ext>
             </a:extLst>
           </p:cNvPr>
@@ -7470,7 +7470,7 @@
           <p:cNvPr id="9" name="내용 개체 틀 2">
             <a:extLst>
               <a:ext uri="{FF2B5EF4-FFF2-40B4-BE49-F238E27FC236}">
-                <a16:creationId xmlns="" xmlns:a16="http://schemas.microsoft.com/office/drawing/2014/main" id="{98AF3A4E-7D90-4241-89FE-799D6F9D5A94}"/>
+                <a16:creationId xmlns:a16="http://schemas.microsoft.com/office/drawing/2014/main" id="{98AF3A4E-7D90-4241-89FE-799D6F9D5A94}"/>
               </a:ext>
             </a:extLst>
           </p:cNvPr>
@@ -8019,7 +8019,7 @@
           <p:cNvPr id="5" name="TextBox 4">
             <a:extLst>
               <a:ext uri="{FF2B5EF4-FFF2-40B4-BE49-F238E27FC236}">
-                <a16:creationId xmlns="" xmlns:a16="http://schemas.microsoft.com/office/drawing/2014/main" id="{5DD81B33-3C10-4B58-9ACC-5628B021DE57}"/>
+                <a16:creationId xmlns:a16="http://schemas.microsoft.com/office/drawing/2014/main" id="{5DD81B33-3C10-4B58-9ACC-5628B021DE57}"/>
               </a:ext>
             </a:extLst>
           </p:cNvPr>
@@ -8200,7 +8200,7 @@
           <p:cNvPr id="7" name="내용 개체 틀 2">
             <a:extLst>
               <a:ext uri="{FF2B5EF4-FFF2-40B4-BE49-F238E27FC236}">
-                <a16:creationId xmlns="" xmlns:a16="http://schemas.microsoft.com/office/drawing/2014/main" id="{98AF3A4E-7D90-4241-89FE-799D6F9D5A94}"/>
+                <a16:creationId xmlns:a16="http://schemas.microsoft.com/office/drawing/2014/main" id="{98AF3A4E-7D90-4241-89FE-799D6F9D5A94}"/>
               </a:ext>
             </a:extLst>
           </p:cNvPr>
@@ -9139,7 +9139,7 @@
           <p:cNvPr id="9" name="내용 개체 틀 2">
             <a:extLst>
               <a:ext uri="{FF2B5EF4-FFF2-40B4-BE49-F238E27FC236}">
-                <a16:creationId xmlns="" xmlns:a16="http://schemas.microsoft.com/office/drawing/2014/main" id="{98AF3A4E-7D90-4241-89FE-799D6F9D5A94}"/>
+                <a16:creationId xmlns:a16="http://schemas.microsoft.com/office/drawing/2014/main" id="{98AF3A4E-7D90-4241-89FE-799D6F9D5A94}"/>
               </a:ext>
             </a:extLst>
           </p:cNvPr>
@@ -9611,10 +9611,34 @@
                 <a:tableStyleId>{5940675A-B579-460E-94D1-54222C63F5DA}</a:tableStyleId>
               </a:tblPr>
               <a:tblGrid>
-                <a:gridCol w="2016224"/>
-                <a:gridCol w="1800200"/>
-                <a:gridCol w="1766161"/>
-                <a:gridCol w="1906248"/>
+                <a:gridCol w="2016224">
+                  <a:extLst>
+                    <a:ext uri="{9D8B030D-6E8A-4147-A177-3AD203B41FA5}">
+                      <a16:colId xmlns:a16="http://schemas.microsoft.com/office/drawing/2014/main" val="20000"/>
+                    </a:ext>
+                  </a:extLst>
+                </a:gridCol>
+                <a:gridCol w="1800200">
+                  <a:extLst>
+                    <a:ext uri="{9D8B030D-6E8A-4147-A177-3AD203B41FA5}">
+                      <a16:colId xmlns:a16="http://schemas.microsoft.com/office/drawing/2014/main" val="20001"/>
+                    </a:ext>
+                  </a:extLst>
+                </a:gridCol>
+                <a:gridCol w="1766161">
+                  <a:extLst>
+                    <a:ext uri="{9D8B030D-6E8A-4147-A177-3AD203B41FA5}">
+                      <a16:colId xmlns:a16="http://schemas.microsoft.com/office/drawing/2014/main" val="20002"/>
+                    </a:ext>
+                  </a:extLst>
+                </a:gridCol>
+                <a:gridCol w="1906248">
+                  <a:extLst>
+                    <a:ext uri="{9D8B030D-6E8A-4147-A177-3AD203B41FA5}">
+                      <a16:colId xmlns:a16="http://schemas.microsoft.com/office/drawing/2014/main" val="20003"/>
+                    </a:ext>
+                  </a:extLst>
+                </a:gridCol>
               </a:tblGrid>
               <a:tr h="345638">
                 <a:tc>
@@ -9713,6 +9737,11 @@
                     </a:solidFill>
                   </a:tcPr>
                 </a:tc>
+                <a:extLst>
+                  <a:ext uri="{0D108BD9-81ED-4DB2-BD59-A6C34878D82A}">
+                    <a16:rowId xmlns:a16="http://schemas.microsoft.com/office/drawing/2014/main" val="10000"/>
+                  </a:ext>
+                </a:extLst>
               </a:tr>
               <a:tr h="345638">
                 <a:tc>
@@ -9791,6 +9820,11 @@
                   </a:txBody>
                   <a:tcPr anchor="ctr"/>
                 </a:tc>
+                <a:extLst>
+                  <a:ext uri="{0D108BD9-81ED-4DB2-BD59-A6C34878D82A}">
+                    <a16:rowId xmlns:a16="http://schemas.microsoft.com/office/drawing/2014/main" val="10001"/>
+                  </a:ext>
+                </a:extLst>
               </a:tr>
               <a:tr h="345638">
                 <a:tc>
@@ -9881,6 +9915,11 @@
                   </a:txBody>
                   <a:tcPr anchor="ctr"/>
                 </a:tc>
+                <a:extLst>
+                  <a:ext uri="{0D108BD9-81ED-4DB2-BD59-A6C34878D82A}">
+                    <a16:rowId xmlns:a16="http://schemas.microsoft.com/office/drawing/2014/main" val="10002"/>
+                  </a:ext>
+                </a:extLst>
               </a:tr>
               <a:tr h="345638">
                 <a:tc>
@@ -9963,6 +10002,11 @@
                   </a:txBody>
                   <a:tcPr anchor="ctr"/>
                 </a:tc>
+                <a:extLst>
+                  <a:ext uri="{0D108BD9-81ED-4DB2-BD59-A6C34878D82A}">
+                    <a16:rowId xmlns:a16="http://schemas.microsoft.com/office/drawing/2014/main" val="10003"/>
+                  </a:ext>
+                </a:extLst>
               </a:tr>
               <a:tr h="345638">
                 <a:tc>
@@ -10106,6 +10150,11 @@
                   </a:txBody>
                   <a:tcPr anchor="ctr"/>
                 </a:tc>
+                <a:extLst>
+                  <a:ext uri="{0D108BD9-81ED-4DB2-BD59-A6C34878D82A}">
+                    <a16:rowId xmlns:a16="http://schemas.microsoft.com/office/drawing/2014/main" val="10004"/>
+                  </a:ext>
+                </a:extLst>
               </a:tr>
             </a:tbl>
           </a:graphicData>
@@ -10209,7 +10258,7 @@
           <p:cNvPr id="5" name="TextBox 4">
             <a:extLst>
               <a:ext uri="{FF2B5EF4-FFF2-40B4-BE49-F238E27FC236}">
-                <a16:creationId xmlns="" xmlns:a16="http://schemas.microsoft.com/office/drawing/2014/main" id="{5DD81B33-3C10-4B58-9ACC-5628B021DE57}"/>
+                <a16:creationId xmlns:a16="http://schemas.microsoft.com/office/drawing/2014/main" id="{5DD81B33-3C10-4B58-9ACC-5628B021DE57}"/>
               </a:ext>
             </a:extLst>
           </p:cNvPr>
@@ -10656,7 +10705,7 @@
           <p:cNvPr id="7" name="TextBox 6">
             <a:extLst>
               <a:ext uri="{FF2B5EF4-FFF2-40B4-BE49-F238E27FC236}">
-                <a16:creationId xmlns="" xmlns:a16="http://schemas.microsoft.com/office/drawing/2014/main" id="{5DD81B33-3C10-4B58-9ACC-5628B021DE57}"/>
+                <a16:creationId xmlns:a16="http://schemas.microsoft.com/office/drawing/2014/main" id="{5DD81B33-3C10-4B58-9ACC-5628B021DE57}"/>
               </a:ext>
             </a:extLst>
           </p:cNvPr>
@@ -10876,7 +10925,7 @@
           <p:cNvPr id="5" name="TextBox 4">
             <a:extLst>
               <a:ext uri="{FF2B5EF4-FFF2-40B4-BE49-F238E27FC236}">
-                <a16:creationId xmlns="" xmlns:a16="http://schemas.microsoft.com/office/drawing/2014/main" id="{5DD81B33-3C10-4B58-9ACC-5628B021DE57}"/>
+                <a16:creationId xmlns:a16="http://schemas.microsoft.com/office/drawing/2014/main" id="{5DD81B33-3C10-4B58-9ACC-5628B021DE57}"/>
               </a:ext>
             </a:extLst>
           </p:cNvPr>
@@ -11069,7 +11118,7 @@
           <p:cNvPr id="7" name="내용 개체 틀 2">
             <a:extLst>
               <a:ext uri="{FF2B5EF4-FFF2-40B4-BE49-F238E27FC236}">
-                <a16:creationId xmlns="" xmlns:a16="http://schemas.microsoft.com/office/drawing/2014/main" id="{98AF3A4E-7D90-4241-89FE-799D6F9D5A94}"/>
+                <a16:creationId xmlns:a16="http://schemas.microsoft.com/office/drawing/2014/main" id="{98AF3A4E-7D90-4241-89FE-799D6F9D5A94}"/>
               </a:ext>
             </a:extLst>
           </p:cNvPr>
@@ -11447,7 +11496,7 @@
           <p:cNvPr id="7" name="내용 개체 틀 2">
             <a:extLst>
               <a:ext uri="{FF2B5EF4-FFF2-40B4-BE49-F238E27FC236}">
-                <a16:creationId xmlns="" xmlns:a16="http://schemas.microsoft.com/office/drawing/2014/main" id="{98AF3A4E-7D90-4241-89FE-799D6F9D5A94}"/>
+                <a16:creationId xmlns:a16="http://schemas.microsoft.com/office/drawing/2014/main" id="{98AF3A4E-7D90-4241-89FE-799D6F9D5A94}"/>
               </a:ext>
             </a:extLst>
           </p:cNvPr>
@@ -11873,7 +11922,7 @@
           <p:cNvPr id="7" name="내용 개체 틀 2">
             <a:extLst>
               <a:ext uri="{FF2B5EF4-FFF2-40B4-BE49-F238E27FC236}">
-                <a16:creationId xmlns="" xmlns:a16="http://schemas.microsoft.com/office/drawing/2014/main" id="{98AF3A4E-7D90-4241-89FE-799D6F9D5A94}"/>
+                <a16:creationId xmlns:a16="http://schemas.microsoft.com/office/drawing/2014/main" id="{98AF3A4E-7D90-4241-89FE-799D6F9D5A94}"/>
               </a:ext>
             </a:extLst>
           </p:cNvPr>
@@ -12214,7 +12263,7 @@
           <p:cNvPr id="7" name="내용 개체 틀 2">
             <a:extLst>
               <a:ext uri="{FF2B5EF4-FFF2-40B4-BE49-F238E27FC236}">
-                <a16:creationId xmlns="" xmlns:a16="http://schemas.microsoft.com/office/drawing/2014/main" id="{98AF3A4E-7D90-4241-89FE-799D6F9D5A94}"/>
+                <a16:creationId xmlns:a16="http://schemas.microsoft.com/office/drawing/2014/main" id="{98AF3A4E-7D90-4241-89FE-799D6F9D5A94}"/>
               </a:ext>
             </a:extLst>
           </p:cNvPr>
@@ -12563,7 +12612,7 @@
           <p:cNvPr id="7" name="내용 개체 틀 2">
             <a:extLst>
               <a:ext uri="{FF2B5EF4-FFF2-40B4-BE49-F238E27FC236}">
-                <a16:creationId xmlns="" xmlns:a16="http://schemas.microsoft.com/office/drawing/2014/main" id="{98AF3A4E-7D90-4241-89FE-799D6F9D5A94}"/>
+                <a16:creationId xmlns:a16="http://schemas.microsoft.com/office/drawing/2014/main" id="{98AF3A4E-7D90-4241-89FE-799D6F9D5A94}"/>
               </a:ext>
             </a:extLst>
           </p:cNvPr>
@@ -13972,7 +14021,7 @@
           <p:cNvPr id="9" name="내용 개체 틀 2">
             <a:extLst>
               <a:ext uri="{FF2B5EF4-FFF2-40B4-BE49-F238E27FC236}">
-                <a16:creationId xmlns="" xmlns:a16="http://schemas.microsoft.com/office/drawing/2014/main" id="{98AF3A4E-7D90-4241-89FE-799D6F9D5A94}"/>
+                <a16:creationId xmlns:a16="http://schemas.microsoft.com/office/drawing/2014/main" id="{98AF3A4E-7D90-4241-89FE-799D6F9D5A94}"/>
               </a:ext>
             </a:extLst>
           </p:cNvPr>
@@ -15757,7 +15806,7 @@
           <p:cNvPr id="30" name="내용 개체 틀 2">
             <a:extLst>
               <a:ext uri="{FF2B5EF4-FFF2-40B4-BE49-F238E27FC236}">
-                <a16:creationId xmlns="" xmlns:a16="http://schemas.microsoft.com/office/drawing/2014/main" id="{98AF3A4E-7D90-4241-89FE-799D6F9D5A94}"/>
+                <a16:creationId xmlns:a16="http://schemas.microsoft.com/office/drawing/2014/main" id="{98AF3A4E-7D90-4241-89FE-799D6F9D5A94}"/>
               </a:ext>
             </a:extLst>
           </p:cNvPr>
@@ -16367,7 +16416,7 @@
           <p:cNvPr id="7" name="내용 개체 틀 2">
             <a:extLst>
               <a:ext uri="{FF2B5EF4-FFF2-40B4-BE49-F238E27FC236}">
-                <a16:creationId xmlns="" xmlns:a16="http://schemas.microsoft.com/office/drawing/2014/main" id="{98AF3A4E-7D90-4241-89FE-799D6F9D5A94}"/>
+                <a16:creationId xmlns:a16="http://schemas.microsoft.com/office/drawing/2014/main" id="{98AF3A4E-7D90-4241-89FE-799D6F9D5A94}"/>
               </a:ext>
             </a:extLst>
           </p:cNvPr>
@@ -16754,7 +16803,7 @@
           <p:cNvPr id="7" name="내용 개체 틀 2">
             <a:extLst>
               <a:ext uri="{FF2B5EF4-FFF2-40B4-BE49-F238E27FC236}">
-                <a16:creationId xmlns="" xmlns:a16="http://schemas.microsoft.com/office/drawing/2014/main" id="{98AF3A4E-7D90-4241-89FE-799D6F9D5A94}"/>
+                <a16:creationId xmlns:a16="http://schemas.microsoft.com/office/drawing/2014/main" id="{98AF3A4E-7D90-4241-89FE-799D6F9D5A94}"/>
               </a:ext>
             </a:extLst>
           </p:cNvPr>
@@ -18740,7 +18789,7 @@
           <p:cNvPr id="7" name="내용 개체 틀 2">
             <a:extLst>
               <a:ext uri="{FF2B5EF4-FFF2-40B4-BE49-F238E27FC236}">
-                <a16:creationId xmlns:a16="http://schemas.microsoft.com/office/drawing/2014/main" xmlns="" id="{98AF3A4E-7D90-4241-89FE-799D6F9D5A94}"/>
+                <a16:creationId xmlns:a16="http://schemas.microsoft.com/office/drawing/2014/main" id="{98AF3A4E-7D90-4241-89FE-799D6F9D5A94}"/>
               </a:ext>
             </a:extLst>
           </p:cNvPr>
@@ -19492,7 +19541,7 @@
           <p:cNvPr id="7" name="내용 개체 틀 2">
             <a:extLst>
               <a:ext uri="{FF2B5EF4-FFF2-40B4-BE49-F238E27FC236}">
-                <a16:creationId xmlns="" xmlns:a16="http://schemas.microsoft.com/office/drawing/2014/main" id="{98AF3A4E-7D90-4241-89FE-799D6F9D5A94}"/>
+                <a16:creationId xmlns:a16="http://schemas.microsoft.com/office/drawing/2014/main" id="{98AF3A4E-7D90-4241-89FE-799D6F9D5A94}"/>
               </a:ext>
             </a:extLst>
           </p:cNvPr>
@@ -19714,8 +19763,16 @@
               <a:t>  </a:t>
             </a:r>
             <a:r>
+              <a:rPr lang="en-US" altLang="ko-KR" sz="2000" b="1" dirty="0" smtClean="0">
+                <a:solidFill>
+                  <a:srgbClr val="002060"/>
+                </a:solidFill>
+              </a:rPr>
+              <a:t> </a:t>
+            </a:r>
+            <a:r>
               <a:rPr lang="ko-KR" altLang="en-US" sz="1600" dirty="0" smtClean="0"/>
-              <a:t>함수나 </a:t>
+              <a:t>지역변수는 함수나 </a:t>
             </a:r>
             <a:r>
               <a:rPr lang="ko-KR" altLang="en-US" sz="1600" dirty="0" err="1" smtClean="0"/>
@@ -19755,7 +19812,7 @@
       </p:sp>
       <p:pic>
         <p:nvPicPr>
-          <p:cNvPr id="3" name="그림 2"/>
+          <p:cNvPr id="2" name="그림 1"/>
           <p:cNvPicPr>
             <a:picLocks noChangeAspect="1"/>
           </p:cNvPicPr>
@@ -19775,8 +19832,8 @@
         </p:blipFill>
         <p:spPr>
           <a:xfrm>
-            <a:off x="1568624" y="2132856"/>
-            <a:ext cx="5585944" cy="3360711"/>
+            <a:off x="1856656" y="2132856"/>
+            <a:ext cx="5995476" cy="3960440"/>
           </a:xfrm>
           <a:prstGeom prst="rect">
             <a:avLst/>

--- a/java_ppt/4장-매서드(함수).pptx
+++ b/java_ppt/4장-매서드(함수).pptx
@@ -5,7 +5,7 @@
     <p:sldMasterId id="2147483648" r:id="rId1"/>
   </p:sldMasterIdLst>
   <p:notesMasterIdLst>
-    <p:notesMasterId r:id="rId32"/>
+    <p:notesMasterId r:id="rId33"/>
   </p:notesMasterIdLst>
   <p:sldIdLst>
     <p:sldId id="256" r:id="rId2"/>
@@ -29,15 +29,16 @@
     <p:sldId id="401" r:id="rId20"/>
     <p:sldId id="394" r:id="rId21"/>
     <p:sldId id="400" r:id="rId22"/>
-    <p:sldId id="404" r:id="rId23"/>
-    <p:sldId id="396" r:id="rId24"/>
-    <p:sldId id="403" r:id="rId25"/>
-    <p:sldId id="399" r:id="rId26"/>
-    <p:sldId id="386" r:id="rId27"/>
-    <p:sldId id="402" r:id="rId28"/>
-    <p:sldId id="387" r:id="rId29"/>
-    <p:sldId id="392" r:id="rId30"/>
-    <p:sldId id="390" r:id="rId31"/>
+    <p:sldId id="405" r:id="rId23"/>
+    <p:sldId id="404" r:id="rId24"/>
+    <p:sldId id="396" r:id="rId25"/>
+    <p:sldId id="403" r:id="rId26"/>
+    <p:sldId id="399" r:id="rId27"/>
+    <p:sldId id="386" r:id="rId28"/>
+    <p:sldId id="402" r:id="rId29"/>
+    <p:sldId id="387" r:id="rId30"/>
+    <p:sldId id="392" r:id="rId31"/>
+    <p:sldId id="390" r:id="rId32"/>
   </p:sldIdLst>
   <p:sldSz cx="9906000" cy="6858000" type="A4"/>
   <p:notesSz cx="6858000" cy="9144000"/>
@@ -237,7 +238,7 @@
           <a:p>
             <a:fld id="{7665CDAC-D627-4E87-877A-1B781DD4CADC}" type="datetimeFigureOut">
               <a:rPr lang="ko-KR" altLang="en-US" smtClean="0"/>
-              <a:t>2023-05-17</a:t>
+              <a:t>2023-05-18</a:t>
             </a:fld>
             <a:endParaRPr lang="ko-KR" altLang="en-US"/>
           </a:p>
@@ -775,7 +776,7 @@
           <a:p>
             <a:fld id="{F4AC81B4-D91A-4578-85B3-829E63FCFE17}" type="datetime1">
               <a:rPr lang="ko-KR" altLang="en-US" smtClean="0"/>
-              <a:t>2023-05-17</a:t>
+              <a:t>2023-05-18</a:t>
             </a:fld>
             <a:endParaRPr lang="ko-KR" altLang="en-US"/>
           </a:p>
@@ -1150,7 +1151,7 @@
           <a:p>
             <a:fld id="{F5B77542-37E5-48F2-BAE7-80CC6B0EB6A3}" type="datetime1">
               <a:rPr lang="ko-KR" altLang="en-US" smtClean="0"/>
-              <a:t>2023-05-17</a:t>
+              <a:t>2023-05-18</a:t>
             </a:fld>
             <a:endParaRPr lang="ko-KR" altLang="en-US"/>
           </a:p>
@@ -1330,7 +1331,7 @@
           <a:p>
             <a:fld id="{227CF174-B5AC-4A98-B673-0BE8126D3F27}" type="datetime1">
               <a:rPr lang="ko-KR" altLang="en-US" smtClean="0"/>
-              <a:t>2023-05-17</a:t>
+              <a:t>2023-05-18</a:t>
             </a:fld>
             <a:endParaRPr lang="ko-KR" altLang="en-US"/>
           </a:p>
@@ -1504,7 +1505,7 @@
           <a:p>
             <a:fld id="{E20FDEC8-1339-42E8-9704-2977280C2FD3}" type="datetime1">
               <a:rPr lang="ko-KR" altLang="en-US" smtClean="0"/>
-              <a:t>2023-05-17</a:t>
+              <a:t>2023-05-18</a:t>
             </a:fld>
             <a:endParaRPr lang="ko-KR" altLang="en-US"/>
           </a:p>
@@ -1750,7 +1751,7 @@
           <a:p>
             <a:fld id="{4D18DC76-A282-4817-B790-197F054E1215}" type="datetime1">
               <a:rPr lang="ko-KR" altLang="en-US" smtClean="0"/>
-              <a:t>2023-05-17</a:t>
+              <a:t>2023-05-18</a:t>
             </a:fld>
             <a:endParaRPr lang="ko-KR" altLang="en-US"/>
           </a:p>
@@ -2038,7 +2039,7 @@
           <a:p>
             <a:fld id="{6680AA6C-13D8-43E4-90F0-E6C88A2B9F16}" type="datetime1">
               <a:rPr lang="ko-KR" altLang="en-US" smtClean="0"/>
-              <a:t>2023-05-17</a:t>
+              <a:t>2023-05-18</a:t>
             </a:fld>
             <a:endParaRPr lang="ko-KR" altLang="en-US"/>
           </a:p>
@@ -2460,7 +2461,7 @@
           <a:p>
             <a:fld id="{3EF5B03B-20CC-436E-8601-C933C6C1F4A6}" type="datetime1">
               <a:rPr lang="ko-KR" altLang="en-US" smtClean="0"/>
-              <a:t>2023-05-17</a:t>
+              <a:t>2023-05-18</a:t>
             </a:fld>
             <a:endParaRPr lang="ko-KR" altLang="en-US"/>
           </a:p>
@@ -2578,7 +2579,7 @@
           <a:p>
             <a:fld id="{87B5A15D-8B08-482F-AB47-E416EC355EB6}" type="datetime1">
               <a:rPr lang="ko-KR" altLang="en-US" smtClean="0"/>
-              <a:t>2023-05-17</a:t>
+              <a:t>2023-05-18</a:t>
             </a:fld>
             <a:endParaRPr lang="ko-KR" altLang="en-US"/>
           </a:p>
@@ -2673,7 +2674,7 @@
           <a:p>
             <a:fld id="{A877D7F8-7B64-44F8-A411-CBD22F28CBFF}" type="datetime1">
               <a:rPr lang="ko-KR" altLang="en-US" smtClean="0"/>
-              <a:t>2023-05-17</a:t>
+              <a:t>2023-05-18</a:t>
             </a:fld>
             <a:endParaRPr lang="ko-KR" altLang="en-US"/>
           </a:p>
@@ -2950,7 +2951,7 @@
           <a:p>
             <a:fld id="{E12DBD9B-2BB6-4D1F-BCB4-1E48829C93C3}" type="datetime1">
               <a:rPr lang="ko-KR" altLang="en-US" smtClean="0"/>
-              <a:t>2023-05-17</a:t>
+              <a:t>2023-05-18</a:t>
             </a:fld>
             <a:endParaRPr lang="ko-KR" altLang="en-US"/>
           </a:p>
@@ -3203,7 +3204,7 @@
           <a:p>
             <a:fld id="{17564C48-0CD7-40EB-BE64-BBF4DB8C56AF}" type="datetime1">
               <a:rPr lang="ko-KR" altLang="en-US" smtClean="0"/>
-              <a:t>2023-05-17</a:t>
+              <a:t>2023-05-18</a:t>
             </a:fld>
             <a:endParaRPr lang="ko-KR" altLang="en-US"/>
           </a:p>
@@ -3383,7 +3384,7 @@
           <a:p>
             <a:fld id="{C116BCB4-B68B-4638-8167-F4BDC0A30DA1}" type="datetime1">
               <a:rPr lang="ko-KR" altLang="en-US" smtClean="0"/>
-              <a:t>2023-05-17</a:t>
+              <a:t>2023-05-18</a:t>
             </a:fld>
             <a:endParaRPr lang="ko-KR" altLang="en-US"/>
           </a:p>
@@ -6684,7 +6685,7 @@
       </p:sp>
       <p:pic>
         <p:nvPicPr>
-          <p:cNvPr id="2" name="그림 1"/>
+          <p:cNvPr id="3" name="그림 2"/>
           <p:cNvPicPr>
             <a:picLocks noChangeAspect="1"/>
           </p:cNvPicPr>
@@ -6704,8 +6705,8 @@
         </p:blipFill>
         <p:spPr>
           <a:xfrm>
-            <a:off x="3729338" y="1052736"/>
-            <a:ext cx="5084669" cy="5112568"/>
+            <a:off x="1496616" y="1556792"/>
+            <a:ext cx="5785863" cy="4625912"/>
           </a:xfrm>
           <a:prstGeom prst="rect">
             <a:avLst/>
@@ -8061,7 +8062,7 @@
       </p:sp>
       <p:pic>
         <p:nvPicPr>
-          <p:cNvPr id="3" name="그림 2"/>
+          <p:cNvPr id="2" name="그림 1"/>
           <p:cNvPicPr>
             <a:picLocks noChangeAspect="1"/>
           </p:cNvPicPr>
@@ -8081,8 +8082,8 @@
         </p:blipFill>
         <p:spPr>
           <a:xfrm>
-            <a:off x="992560" y="1772816"/>
-            <a:ext cx="7640428" cy="3024336"/>
+            <a:off x="952466" y="1700808"/>
+            <a:ext cx="8356267" cy="4464496"/>
           </a:xfrm>
           <a:prstGeom prst="rect">
             <a:avLst/>
@@ -10308,7 +10309,7 @@
       </p:sp>
       <p:pic>
         <p:nvPicPr>
-          <p:cNvPr id="3" name="그림 2"/>
+          <p:cNvPr id="4" name="그림 3"/>
           <p:cNvPicPr>
             <a:picLocks noChangeAspect="1"/>
           </p:cNvPicPr>
@@ -10328,8 +10329,8 @@
         </p:blipFill>
         <p:spPr>
           <a:xfrm>
-            <a:off x="1400538" y="1555564"/>
-            <a:ext cx="6455576" cy="4681747"/>
+            <a:off x="1352600" y="1556792"/>
+            <a:ext cx="7246138" cy="4680520"/>
           </a:xfrm>
           <a:prstGeom prst="rect">
             <a:avLst/>
@@ -10436,6 +10437,226 @@
           </a:p>
         </p:txBody>
       </p:sp>
+      <p:sp>
+        <p:nvSpPr>
+          <p:cNvPr id="5" name="TextBox 4">
+            <a:extLst>
+              <a:ext uri="{FF2B5EF4-FFF2-40B4-BE49-F238E27FC236}">
+                <a16:creationId xmlns:a16="http://schemas.microsoft.com/office/drawing/2014/main" id="{5DD81B33-3C10-4B58-9ACC-5628B021DE57}"/>
+              </a:ext>
+            </a:extLst>
+          </p:cNvPr>
+          <p:cNvSpPr txBox="1"/>
+          <p:nvPr/>
+        </p:nvSpPr>
+        <p:spPr>
+          <a:xfrm>
+            <a:off x="1064568" y="1030492"/>
+            <a:ext cx="2016224" cy="507831"/>
+          </a:xfrm>
+          <a:prstGeom prst="rect">
+            <a:avLst/>
+          </a:prstGeom>
+          <a:noFill/>
+        </p:spPr>
+        <p:txBody>
+          <a:bodyPr wrap="square" rtlCol="0">
+            <a:spAutoFit/>
+          </a:bodyPr>
+          <a:lstStyle/>
+          <a:p>
+            <a:pPr>
+              <a:lnSpc>
+                <a:spcPct val="150000"/>
+              </a:lnSpc>
+            </a:pPr>
+            <a:r>
+              <a:rPr lang="en-US" altLang="ko-KR" b="1" dirty="0" smtClean="0"/>
+              <a:t>Calendar </a:t>
+            </a:r>
+            <a:r>
+              <a:rPr lang="ko-KR" altLang="en-US" b="1" dirty="0" smtClean="0"/>
+              <a:t>객</a:t>
+            </a:r>
+            <a:r>
+              <a:rPr lang="ko-KR" altLang="en-US" b="1" dirty="0"/>
+              <a:t>체</a:t>
+            </a:r>
+            <a:r>
+              <a:rPr lang="ko-KR" altLang="en-US" b="1" dirty="0" smtClean="0"/>
+              <a:t> </a:t>
+            </a:r>
+            <a:endParaRPr lang="en-US" altLang="ko-KR" b="1" dirty="0"/>
+          </a:p>
+        </p:txBody>
+      </p:sp>
+      <p:pic>
+        <p:nvPicPr>
+          <p:cNvPr id="6" name="그림 5"/>
+          <p:cNvPicPr>
+            <a:picLocks noChangeAspect="1"/>
+          </p:cNvPicPr>
+          <p:nvPr/>
+        </p:nvPicPr>
+        <p:blipFill>
+          <a:blip r:embed="rId2">
+            <a:extLst>
+              <a:ext uri="{28A0092B-C50C-407E-A947-70E740481C1C}">
+                <a14:useLocalDpi xmlns:a14="http://schemas.microsoft.com/office/drawing/2010/main" val="0"/>
+              </a:ext>
+            </a:extLst>
+          </a:blip>
+          <a:stretch>
+            <a:fillRect/>
+          </a:stretch>
+        </p:blipFill>
+        <p:spPr>
+          <a:xfrm>
+            <a:off x="704528" y="1628800"/>
+            <a:ext cx="8436071" cy="2827265"/>
+          </a:xfrm>
+          <a:prstGeom prst="rect">
+            <a:avLst/>
+          </a:prstGeom>
+          <a:ln>
+            <a:solidFill>
+              <a:schemeClr val="bg1">
+                <a:lumMod val="85000"/>
+              </a:schemeClr>
+            </a:solidFill>
+          </a:ln>
+        </p:spPr>
+      </p:pic>
+      <p:pic>
+        <p:nvPicPr>
+          <p:cNvPr id="7" name="그림 6"/>
+          <p:cNvPicPr>
+            <a:picLocks noChangeAspect="1"/>
+          </p:cNvPicPr>
+          <p:nvPr/>
+        </p:nvPicPr>
+        <p:blipFill>
+          <a:blip r:embed="rId3">
+            <a:extLst>
+              <a:ext uri="{28A0092B-C50C-407E-A947-70E740481C1C}">
+                <a14:useLocalDpi xmlns:a14="http://schemas.microsoft.com/office/drawing/2010/main" val="0"/>
+              </a:ext>
+            </a:extLst>
+          </a:blip>
+          <a:stretch>
+            <a:fillRect/>
+          </a:stretch>
+        </p:blipFill>
+        <p:spPr>
+          <a:xfrm>
+            <a:off x="1352600" y="4653136"/>
+            <a:ext cx="7353937" cy="1486029"/>
+          </a:xfrm>
+          <a:prstGeom prst="rect">
+            <a:avLst/>
+          </a:prstGeom>
+          <a:ln>
+            <a:solidFill>
+              <a:schemeClr val="bg1">
+                <a:lumMod val="85000"/>
+              </a:schemeClr>
+            </a:solidFill>
+          </a:ln>
+        </p:spPr>
+      </p:pic>
+    </p:spTree>
+    <p:extLst>
+      <p:ext uri="{BB962C8B-B14F-4D97-AF65-F5344CB8AC3E}">
+        <p14:creationId xmlns:p14="http://schemas.microsoft.com/office/powerpoint/2010/main" val="3549306804"/>
+      </p:ext>
+    </p:extLst>
+  </p:cSld>
+  <p:clrMapOvr>
+    <a:masterClrMapping/>
+  </p:clrMapOvr>
+  <p:timing>
+    <p:tnLst>
+      <p:par>
+        <p:cTn id="1" dur="indefinite" restart="never" nodeType="tmRoot"/>
+      </p:par>
+    </p:tnLst>
+  </p:timing>
+</p:sld>
+</file>
+
+<file path=ppt/slides/slide23.xml><?xml version="1.0" encoding="utf-8"?>
+<p:sld xmlns:a="http://schemas.openxmlformats.org/drawingml/2006/main" xmlns:r="http://schemas.openxmlformats.org/officeDocument/2006/relationships" xmlns:p="http://schemas.openxmlformats.org/presentationml/2006/main">
+  <p:cSld>
+    <p:spTree>
+      <p:nvGrpSpPr>
+        <p:cNvPr id="1" name=""/>
+        <p:cNvGrpSpPr/>
+        <p:nvPr/>
+      </p:nvGrpSpPr>
+      <p:grpSpPr>
+        <a:xfrm>
+          <a:off x="0" y="0"/>
+          <a:ext cx="0" cy="0"/>
+          <a:chOff x="0" y="0"/>
+          <a:chExt cx="0" cy="0"/>
+        </a:xfrm>
+      </p:grpSpPr>
+      <p:sp>
+        <p:nvSpPr>
+          <p:cNvPr id="15" name="제목 5"/>
+          <p:cNvSpPr txBox="1">
+            <a:spLocks/>
+          </p:cNvSpPr>
+          <p:nvPr/>
+        </p:nvSpPr>
+        <p:spPr>
+          <a:xfrm>
+            <a:off x="1" y="-27384"/>
+            <a:ext cx="3800872" cy="854968"/>
+          </a:xfrm>
+          <a:prstGeom prst="rect">
+            <a:avLst/>
+          </a:prstGeom>
+        </p:spPr>
+        <p:txBody>
+          <a:bodyPr anchor="ctr" anchorCtr="0"/>
+          <a:lstStyle>
+            <a:lvl1pPr algn="l" defTabSz="914400" rtl="0" eaLnBrk="1" latinLnBrk="1" hangingPunct="1">
+              <a:spcBef>
+                <a:spcPct val="0"/>
+              </a:spcBef>
+              <a:buNone/>
+              <a:defRPr sz="3200" kern="1200">
+                <a:solidFill>
+                  <a:schemeClr val="bg1"/>
+                </a:solidFill>
+                <a:latin typeface="HY헤드라인M" panose="02030600000101010101" pitchFamily="18" charset="-127"/>
+                <a:ea typeface="HY헤드라인M" panose="02030600000101010101" pitchFamily="18" charset="-127"/>
+                <a:cs typeface="+mj-cs"/>
+              </a:defRPr>
+            </a:lvl1pPr>
+          </a:lstStyle>
+          <a:p>
+            <a:r>
+              <a:rPr lang="en-US" altLang="ko-KR" dirty="0" smtClean="0"/>
+              <a:t> </a:t>
+            </a:r>
+            <a:r>
+              <a:rPr lang="ko-KR" altLang="en-US" dirty="0"/>
+              <a:t> </a:t>
+            </a:r>
+            <a:r>
+              <a:rPr lang="en-US" altLang="ko-KR" dirty="0" smtClean="0"/>
+              <a:t>Calendar </a:t>
+            </a:r>
+            <a:r>
+              <a:rPr lang="ko-KR" altLang="en-US" dirty="0" smtClean="0"/>
+              <a:t>클래스</a:t>
+            </a:r>
+            <a:endParaRPr lang="ko-KR" altLang="en-US" dirty="0"/>
+          </a:p>
+        </p:txBody>
+      </p:sp>
       <p:pic>
         <p:nvPicPr>
           <p:cNvPr id="4" name="그림 3"/>
@@ -10493,7 +10714,7 @@
 </p:sld>
 </file>
 
-<file path=ppt/slides/slide23.xml><?xml version="1.0" encoding="utf-8"?>
+<file path=ppt/slides/slide24.xml><?xml version="1.0" encoding="utf-8"?>
 <p:sld xmlns:a="http://schemas.openxmlformats.org/drawingml/2006/main" xmlns:r="http://schemas.openxmlformats.org/officeDocument/2006/relationships" xmlns:p="http://schemas.openxmlformats.org/presentationml/2006/main">
   <p:cSld>
     <p:spTree>
@@ -10562,7 +10783,7 @@
           <a:p>
             <a:fld id="{1BDE3FE7-3AEA-4B05-AC5A-802D1816ACF0}" type="slidenum">
               <a:rPr lang="ko-KR" altLang="en-US" smtClean="0"/>
-              <a:t>23</a:t>
+              <a:t>24</a:t>
             </a:fld>
             <a:endParaRPr lang="ko-KR" altLang="en-US"/>
           </a:p>
@@ -10625,7 +10846,7 @@
 </p:sld>
 </file>
 
-<file path=ppt/slides/slide24.xml><?xml version="1.0" encoding="utf-8"?>
+<file path=ppt/slides/slide25.xml><?xml version="1.0" encoding="utf-8"?>
 <p:sld xmlns:a="http://schemas.openxmlformats.org/drawingml/2006/main" xmlns:r="http://schemas.openxmlformats.org/officeDocument/2006/relationships" xmlns:p="http://schemas.openxmlformats.org/presentationml/2006/main">
   <p:cSld>
     <p:spTree>
@@ -10694,7 +10915,7 @@
           <a:p>
             <a:fld id="{1BDE3FE7-3AEA-4B05-AC5A-802D1816ACF0}" type="slidenum">
               <a:rPr lang="ko-KR" altLang="en-US" smtClean="0"/>
-              <a:t>24</a:t>
+              <a:t>25</a:t>
             </a:fld>
             <a:endParaRPr lang="ko-KR" altLang="en-US"/>
           </a:p>
@@ -10843,7 +11064,7 @@
 </p:sld>
 </file>
 
-<file path=ppt/slides/slide25.xml><?xml version="1.0" encoding="utf-8"?>
+<file path=ppt/slides/slide26.xml><?xml version="1.0" encoding="utf-8"?>
 <p:sld xmlns:a="http://schemas.openxmlformats.org/drawingml/2006/main" xmlns:r="http://schemas.openxmlformats.org/officeDocument/2006/relationships" xmlns:p="http://schemas.openxmlformats.org/presentationml/2006/main">
   <p:cSld>
     <p:spTree>
@@ -11042,7 +11263,7 @@
 </p:sld>
 </file>
 
-<file path=ppt/slides/slide26.xml><?xml version="1.0" encoding="utf-8"?>
+<file path=ppt/slides/slide27.xml><?xml version="1.0" encoding="utf-8"?>
 <p:sld xmlns:a="http://schemas.openxmlformats.org/drawingml/2006/main" xmlns:r="http://schemas.openxmlformats.org/officeDocument/2006/relationships" xmlns:p="http://schemas.openxmlformats.org/presentationml/2006/main">
   <p:cSld>
     <p:spTree>
@@ -11107,7 +11328,7 @@
           <a:p>
             <a:fld id="{1BDE3FE7-3AEA-4B05-AC5A-802D1816ACF0}" type="slidenum">
               <a:rPr lang="ko-KR" altLang="en-US" smtClean="0"/>
-              <a:t>26</a:t>
+              <a:t>27</a:t>
             </a:fld>
             <a:endParaRPr lang="ko-KR" altLang="en-US"/>
           </a:p>
@@ -11420,7 +11641,7 @@
 </p:sld>
 </file>
 
-<file path=ppt/slides/slide27.xml><?xml version="1.0" encoding="utf-8"?>
+<file path=ppt/slides/slide28.xml><?xml version="1.0" encoding="utf-8"?>
 <p:sld xmlns:a="http://schemas.openxmlformats.org/drawingml/2006/main" xmlns:r="http://schemas.openxmlformats.org/officeDocument/2006/relationships" xmlns:p="http://schemas.openxmlformats.org/presentationml/2006/main">
   <p:cSld>
     <p:spTree>
@@ -11485,7 +11706,7 @@
           <a:p>
             <a:fld id="{1BDE3FE7-3AEA-4B05-AC5A-802D1816ACF0}" type="slidenum">
               <a:rPr lang="ko-KR" altLang="en-US" smtClean="0"/>
-              <a:t>27</a:t>
+              <a:t>28</a:t>
             </a:fld>
             <a:endParaRPr lang="ko-KR" altLang="en-US"/>
           </a:p>
@@ -11846,7 +12067,7 @@
 </p:sld>
 </file>
 
-<file path=ppt/slides/slide28.xml><?xml version="1.0" encoding="utf-8"?>
+<file path=ppt/slides/slide29.xml><?xml version="1.0" encoding="utf-8"?>
 <p:sld xmlns:a="http://schemas.openxmlformats.org/drawingml/2006/main" xmlns:r="http://schemas.openxmlformats.org/officeDocument/2006/relationships" xmlns:p="http://schemas.openxmlformats.org/presentationml/2006/main">
   <p:cSld>
     <p:spTree>
@@ -11911,7 +12132,7 @@
           <a:p>
             <a:fld id="{1BDE3FE7-3AEA-4B05-AC5A-802D1816ACF0}" type="slidenum">
               <a:rPr lang="ko-KR" altLang="en-US" smtClean="0"/>
-              <a:t>28</a:t>
+              <a:t>29</a:t>
             </a:fld>
             <a:endParaRPr lang="ko-KR" altLang="en-US"/>
           </a:p>
@@ -12171,347 +12392,6 @@
     <p:extLst>
       <p:ext uri="{BB962C8B-B14F-4D97-AF65-F5344CB8AC3E}">
         <p14:creationId xmlns:p14="http://schemas.microsoft.com/office/powerpoint/2010/main" val="3109840977"/>
-      </p:ext>
-    </p:extLst>
-  </p:cSld>
-  <p:clrMapOvr>
-    <a:masterClrMapping/>
-  </p:clrMapOvr>
-  <p:timing>
-    <p:tnLst>
-      <p:par>
-        <p:cTn id="1" dur="indefinite" restart="never" nodeType="tmRoot"/>
-      </p:par>
-    </p:tnLst>
-  </p:timing>
-</p:sld>
-</file>
-
-<file path=ppt/slides/slide29.xml><?xml version="1.0" encoding="utf-8"?>
-<p:sld xmlns:a="http://schemas.openxmlformats.org/drawingml/2006/main" xmlns:r="http://schemas.openxmlformats.org/officeDocument/2006/relationships" xmlns:p="http://schemas.openxmlformats.org/presentationml/2006/main">
-  <p:cSld>
-    <p:spTree>
-      <p:nvGrpSpPr>
-        <p:cNvPr id="1" name=""/>
-        <p:cNvGrpSpPr/>
-        <p:nvPr/>
-      </p:nvGrpSpPr>
-      <p:grpSpPr>
-        <a:xfrm>
-          <a:off x="0" y="0"/>
-          <a:ext cx="0" cy="0"/>
-          <a:chOff x="0" y="0"/>
-          <a:chExt cx="0" cy="0"/>
-        </a:xfrm>
-      </p:grpSpPr>
-      <p:sp>
-        <p:nvSpPr>
-          <p:cNvPr id="6" name="제목 5"/>
-          <p:cNvSpPr>
-            <a:spLocks noGrp="1"/>
-          </p:cNvSpPr>
-          <p:nvPr>
-            <p:ph type="title"/>
-          </p:nvPr>
-        </p:nvSpPr>
-        <p:spPr/>
-        <p:txBody>
-          <a:bodyPr/>
-          <a:lstStyle/>
-          <a:p>
-            <a:r>
-              <a:rPr lang="en-US" altLang="ko-KR" dirty="0" smtClean="0"/>
-              <a:t> </a:t>
-            </a:r>
-            <a:r>
-              <a:rPr lang="ko-KR" altLang="en-US" dirty="0"/>
-              <a:t> </a:t>
-            </a:r>
-            <a:r>
-              <a:rPr lang="ko-KR" altLang="en-US" dirty="0" smtClean="0"/>
-              <a:t>열거 타입</a:t>
-            </a:r>
-            <a:endParaRPr lang="ko-KR" altLang="en-US" dirty="0"/>
-          </a:p>
-        </p:txBody>
-      </p:sp>
-      <p:sp>
-        <p:nvSpPr>
-          <p:cNvPr id="5" name="슬라이드 번호 개체 틀 4"/>
-          <p:cNvSpPr>
-            <a:spLocks noGrp="1"/>
-          </p:cNvSpPr>
-          <p:nvPr>
-            <p:ph type="sldNum" sz="quarter" idx="12"/>
-          </p:nvPr>
-        </p:nvSpPr>
-        <p:spPr/>
-        <p:txBody>
-          <a:bodyPr/>
-          <a:lstStyle/>
-          <a:p>
-            <a:fld id="{1BDE3FE7-3AEA-4B05-AC5A-802D1816ACF0}" type="slidenum">
-              <a:rPr lang="ko-KR" altLang="en-US" smtClean="0"/>
-              <a:t>29</a:t>
-            </a:fld>
-            <a:endParaRPr lang="ko-KR" altLang="en-US"/>
-          </a:p>
-        </p:txBody>
-      </p:sp>
-      <p:sp>
-        <p:nvSpPr>
-          <p:cNvPr id="7" name="내용 개체 틀 2">
-            <a:extLst>
-              <a:ext uri="{FF2B5EF4-FFF2-40B4-BE49-F238E27FC236}">
-                <a16:creationId xmlns:a16="http://schemas.microsoft.com/office/drawing/2014/main" id="{98AF3A4E-7D90-4241-89FE-799D6F9D5A94}"/>
-              </a:ext>
-            </a:extLst>
-          </p:cNvPr>
-          <p:cNvSpPr txBox="1">
-            <a:spLocks/>
-          </p:cNvSpPr>
-          <p:nvPr/>
-        </p:nvSpPr>
-        <p:spPr>
-          <a:xfrm>
-            <a:off x="848544" y="1124744"/>
-            <a:ext cx="5256584" cy="648072"/>
-          </a:xfrm>
-          <a:prstGeom prst="rect">
-            <a:avLst/>
-          </a:prstGeom>
-        </p:spPr>
-        <p:txBody>
-          <a:bodyPr/>
-          <a:lstStyle>
-            <a:lvl1pPr marL="228600" indent="-228600" algn="l" defTabSz="914400" rtl="0" eaLnBrk="1" latinLnBrk="1" hangingPunct="1">
-              <a:lnSpc>
-                <a:spcPct val="90000"/>
-              </a:lnSpc>
-              <a:spcBef>
-                <a:spcPts val="1000"/>
-              </a:spcBef>
-              <a:buFont typeface="Arial" panose="020B0604020202020204" pitchFamily="34" charset="0"/>
-              <a:buChar char="•"/>
-              <a:defRPr sz="2800" kern="1200">
-                <a:solidFill>
-                  <a:schemeClr val="tx1"/>
-                </a:solidFill>
-                <a:latin typeface="+mn-lt"/>
-                <a:ea typeface="+mn-ea"/>
-                <a:cs typeface="+mn-cs"/>
-              </a:defRPr>
-            </a:lvl1pPr>
-            <a:lvl2pPr marL="685800" indent="-228600" algn="l" defTabSz="914400" rtl="0" eaLnBrk="1" latinLnBrk="1" hangingPunct="1">
-              <a:lnSpc>
-                <a:spcPct val="90000"/>
-              </a:lnSpc>
-              <a:spcBef>
-                <a:spcPts val="500"/>
-              </a:spcBef>
-              <a:buFont typeface="Arial" panose="020B0604020202020204" pitchFamily="34" charset="0"/>
-              <a:buChar char="•"/>
-              <a:defRPr sz="2400" kern="1200">
-                <a:solidFill>
-                  <a:schemeClr val="tx1"/>
-                </a:solidFill>
-                <a:latin typeface="+mn-lt"/>
-                <a:ea typeface="+mn-ea"/>
-                <a:cs typeface="+mn-cs"/>
-              </a:defRPr>
-            </a:lvl2pPr>
-            <a:lvl3pPr marL="1143000" indent="-228600" algn="l" defTabSz="914400" rtl="0" eaLnBrk="1" latinLnBrk="1" hangingPunct="1">
-              <a:lnSpc>
-                <a:spcPct val="90000"/>
-              </a:lnSpc>
-              <a:spcBef>
-                <a:spcPts val="500"/>
-              </a:spcBef>
-              <a:buFont typeface="Arial" panose="020B0604020202020204" pitchFamily="34" charset="0"/>
-              <a:buChar char="•"/>
-              <a:defRPr sz="2000" kern="1200">
-                <a:solidFill>
-                  <a:schemeClr val="tx1"/>
-                </a:solidFill>
-                <a:latin typeface="+mn-lt"/>
-                <a:ea typeface="+mn-ea"/>
-                <a:cs typeface="+mn-cs"/>
-              </a:defRPr>
-            </a:lvl3pPr>
-            <a:lvl4pPr marL="1600200" indent="-228600" algn="l" defTabSz="914400" rtl="0" eaLnBrk="1" latinLnBrk="1" hangingPunct="1">
-              <a:lnSpc>
-                <a:spcPct val="90000"/>
-              </a:lnSpc>
-              <a:spcBef>
-                <a:spcPts val="500"/>
-              </a:spcBef>
-              <a:buFont typeface="Arial" panose="020B0604020202020204" pitchFamily="34" charset="0"/>
-              <a:buChar char="•"/>
-              <a:defRPr sz="1800" kern="1200">
-                <a:solidFill>
-                  <a:schemeClr val="tx1"/>
-                </a:solidFill>
-                <a:latin typeface="+mn-lt"/>
-                <a:ea typeface="+mn-ea"/>
-                <a:cs typeface="+mn-cs"/>
-              </a:defRPr>
-            </a:lvl4pPr>
-            <a:lvl5pPr marL="2057400" indent="-228600" algn="l" defTabSz="914400" rtl="0" eaLnBrk="1" latinLnBrk="1" hangingPunct="1">
-              <a:lnSpc>
-                <a:spcPct val="90000"/>
-              </a:lnSpc>
-              <a:spcBef>
-                <a:spcPts val="500"/>
-              </a:spcBef>
-              <a:buFont typeface="Arial" panose="020B0604020202020204" pitchFamily="34" charset="0"/>
-              <a:buChar char="•"/>
-              <a:defRPr sz="1800" kern="1200">
-                <a:solidFill>
-                  <a:schemeClr val="tx1"/>
-                </a:solidFill>
-                <a:latin typeface="+mn-lt"/>
-                <a:ea typeface="+mn-ea"/>
-                <a:cs typeface="+mn-cs"/>
-              </a:defRPr>
-            </a:lvl5pPr>
-            <a:lvl6pPr marL="2514600" indent="-228600" algn="l" defTabSz="914400" rtl="0" eaLnBrk="1" latinLnBrk="1" hangingPunct="1">
-              <a:lnSpc>
-                <a:spcPct val="90000"/>
-              </a:lnSpc>
-              <a:spcBef>
-                <a:spcPts val="500"/>
-              </a:spcBef>
-              <a:buFont typeface="Arial" panose="020B0604020202020204" pitchFamily="34" charset="0"/>
-              <a:buChar char="•"/>
-              <a:defRPr sz="1800" kern="1200">
-                <a:solidFill>
-                  <a:schemeClr val="tx1"/>
-                </a:solidFill>
-                <a:latin typeface="+mn-lt"/>
-                <a:ea typeface="+mn-ea"/>
-                <a:cs typeface="+mn-cs"/>
-              </a:defRPr>
-            </a:lvl6pPr>
-            <a:lvl7pPr marL="2971800" indent="-228600" algn="l" defTabSz="914400" rtl="0" eaLnBrk="1" latinLnBrk="1" hangingPunct="1">
-              <a:lnSpc>
-                <a:spcPct val="90000"/>
-              </a:lnSpc>
-              <a:spcBef>
-                <a:spcPts val="500"/>
-              </a:spcBef>
-              <a:buFont typeface="Arial" panose="020B0604020202020204" pitchFamily="34" charset="0"/>
-              <a:buChar char="•"/>
-              <a:defRPr sz="1800" kern="1200">
-                <a:solidFill>
-                  <a:schemeClr val="tx1"/>
-                </a:solidFill>
-                <a:latin typeface="+mn-lt"/>
-                <a:ea typeface="+mn-ea"/>
-                <a:cs typeface="+mn-cs"/>
-              </a:defRPr>
-            </a:lvl7pPr>
-            <a:lvl8pPr marL="3429000" indent="-228600" algn="l" defTabSz="914400" rtl="0" eaLnBrk="1" latinLnBrk="1" hangingPunct="1">
-              <a:lnSpc>
-                <a:spcPct val="90000"/>
-              </a:lnSpc>
-              <a:spcBef>
-                <a:spcPts val="500"/>
-              </a:spcBef>
-              <a:buFont typeface="Arial" panose="020B0604020202020204" pitchFamily="34" charset="0"/>
-              <a:buChar char="•"/>
-              <a:defRPr sz="1800" kern="1200">
-                <a:solidFill>
-                  <a:schemeClr val="tx1"/>
-                </a:solidFill>
-                <a:latin typeface="+mn-lt"/>
-                <a:ea typeface="+mn-ea"/>
-                <a:cs typeface="+mn-cs"/>
-              </a:defRPr>
-            </a:lvl8pPr>
-            <a:lvl9pPr marL="3886200" indent="-228600" algn="l" defTabSz="914400" rtl="0" eaLnBrk="1" latinLnBrk="1" hangingPunct="1">
-              <a:lnSpc>
-                <a:spcPct val="90000"/>
-              </a:lnSpc>
-              <a:spcBef>
-                <a:spcPts val="500"/>
-              </a:spcBef>
-              <a:buFont typeface="Arial" panose="020B0604020202020204" pitchFamily="34" charset="0"/>
-              <a:buChar char="•"/>
-              <a:defRPr sz="1800" kern="1200">
-                <a:solidFill>
-                  <a:schemeClr val="tx1"/>
-                </a:solidFill>
-                <a:latin typeface="+mn-lt"/>
-                <a:ea typeface="+mn-ea"/>
-                <a:cs typeface="+mn-cs"/>
-              </a:defRPr>
-            </a:lvl9pPr>
-          </a:lstStyle>
-          <a:p>
-            <a:pPr>
-              <a:lnSpc>
-                <a:spcPct val="150000"/>
-              </a:lnSpc>
-              <a:buFont typeface="Wingdings" panose="05000000000000000000" pitchFamily="2" charset="2"/>
-              <a:buChar char="§"/>
-            </a:pPr>
-            <a:r>
-              <a:rPr lang="ko-KR" altLang="en-US" sz="2000" b="1" dirty="0" smtClean="0">
-                <a:solidFill>
-                  <a:srgbClr val="C00000"/>
-                </a:solidFill>
-              </a:rPr>
-              <a:t>열거 타입</a:t>
-            </a:r>
-            <a:endParaRPr lang="en-US" altLang="ko-KR" sz="2000" b="1" dirty="0" smtClean="0">
-              <a:solidFill>
-                <a:srgbClr val="C00000"/>
-              </a:solidFill>
-            </a:endParaRPr>
-          </a:p>
-        </p:txBody>
-      </p:sp>
-      <p:pic>
-        <p:nvPicPr>
-          <p:cNvPr id="2" name="그림 1"/>
-          <p:cNvPicPr>
-            <a:picLocks noChangeAspect="1"/>
-          </p:cNvPicPr>
-          <p:nvPr/>
-        </p:nvPicPr>
-        <p:blipFill>
-          <a:blip r:embed="rId2">
-            <a:extLst>
-              <a:ext uri="{28A0092B-C50C-407E-A947-70E740481C1C}">
-                <a14:useLocalDpi xmlns:a14="http://schemas.microsoft.com/office/drawing/2010/main" val="0"/>
-              </a:ext>
-            </a:extLst>
-          </a:blip>
-          <a:stretch>
-            <a:fillRect/>
-          </a:stretch>
-        </p:blipFill>
-        <p:spPr>
-          <a:xfrm>
-            <a:off x="2648744" y="980728"/>
-            <a:ext cx="5544616" cy="5271082"/>
-          </a:xfrm>
-          <a:prstGeom prst="rect">
-            <a:avLst/>
-          </a:prstGeom>
-          <a:ln>
-            <a:solidFill>
-              <a:schemeClr val="bg1">
-                <a:lumMod val="85000"/>
-              </a:schemeClr>
-            </a:solidFill>
-          </a:ln>
-        </p:spPr>
-      </p:pic>
-    </p:spTree>
-    <p:extLst>
-      <p:ext uri="{BB962C8B-B14F-4D97-AF65-F5344CB8AC3E}">
-        <p14:creationId xmlns:p14="http://schemas.microsoft.com/office/powerpoint/2010/main" val="3955387337"/>
       </p:ext>
     </p:extLst>
   </p:cSld>
@@ -13679,6 +13559,347 @@
 </file>
 
 <file path=ppt/slides/slide30.xml><?xml version="1.0" encoding="utf-8"?>
+<p:sld xmlns:a="http://schemas.openxmlformats.org/drawingml/2006/main" xmlns:r="http://schemas.openxmlformats.org/officeDocument/2006/relationships" xmlns:p="http://schemas.openxmlformats.org/presentationml/2006/main">
+  <p:cSld>
+    <p:spTree>
+      <p:nvGrpSpPr>
+        <p:cNvPr id="1" name=""/>
+        <p:cNvGrpSpPr/>
+        <p:nvPr/>
+      </p:nvGrpSpPr>
+      <p:grpSpPr>
+        <a:xfrm>
+          <a:off x="0" y="0"/>
+          <a:ext cx="0" cy="0"/>
+          <a:chOff x="0" y="0"/>
+          <a:chExt cx="0" cy="0"/>
+        </a:xfrm>
+      </p:grpSpPr>
+      <p:sp>
+        <p:nvSpPr>
+          <p:cNvPr id="6" name="제목 5"/>
+          <p:cNvSpPr>
+            <a:spLocks noGrp="1"/>
+          </p:cNvSpPr>
+          <p:nvPr>
+            <p:ph type="title"/>
+          </p:nvPr>
+        </p:nvSpPr>
+        <p:spPr/>
+        <p:txBody>
+          <a:bodyPr/>
+          <a:lstStyle/>
+          <a:p>
+            <a:r>
+              <a:rPr lang="en-US" altLang="ko-KR" dirty="0" smtClean="0"/>
+              <a:t> </a:t>
+            </a:r>
+            <a:r>
+              <a:rPr lang="ko-KR" altLang="en-US" dirty="0"/>
+              <a:t> </a:t>
+            </a:r>
+            <a:r>
+              <a:rPr lang="ko-KR" altLang="en-US" dirty="0" smtClean="0"/>
+              <a:t>열거 타입</a:t>
+            </a:r>
+            <a:endParaRPr lang="ko-KR" altLang="en-US" dirty="0"/>
+          </a:p>
+        </p:txBody>
+      </p:sp>
+      <p:sp>
+        <p:nvSpPr>
+          <p:cNvPr id="5" name="슬라이드 번호 개체 틀 4"/>
+          <p:cNvSpPr>
+            <a:spLocks noGrp="1"/>
+          </p:cNvSpPr>
+          <p:nvPr>
+            <p:ph type="sldNum" sz="quarter" idx="12"/>
+          </p:nvPr>
+        </p:nvSpPr>
+        <p:spPr/>
+        <p:txBody>
+          <a:bodyPr/>
+          <a:lstStyle/>
+          <a:p>
+            <a:fld id="{1BDE3FE7-3AEA-4B05-AC5A-802D1816ACF0}" type="slidenum">
+              <a:rPr lang="ko-KR" altLang="en-US" smtClean="0"/>
+              <a:t>30</a:t>
+            </a:fld>
+            <a:endParaRPr lang="ko-KR" altLang="en-US"/>
+          </a:p>
+        </p:txBody>
+      </p:sp>
+      <p:sp>
+        <p:nvSpPr>
+          <p:cNvPr id="7" name="내용 개체 틀 2">
+            <a:extLst>
+              <a:ext uri="{FF2B5EF4-FFF2-40B4-BE49-F238E27FC236}">
+                <a16:creationId xmlns:a16="http://schemas.microsoft.com/office/drawing/2014/main" id="{98AF3A4E-7D90-4241-89FE-799D6F9D5A94}"/>
+              </a:ext>
+            </a:extLst>
+          </p:cNvPr>
+          <p:cNvSpPr txBox="1">
+            <a:spLocks/>
+          </p:cNvSpPr>
+          <p:nvPr/>
+        </p:nvSpPr>
+        <p:spPr>
+          <a:xfrm>
+            <a:off x="848544" y="1124744"/>
+            <a:ext cx="5256584" cy="648072"/>
+          </a:xfrm>
+          <a:prstGeom prst="rect">
+            <a:avLst/>
+          </a:prstGeom>
+        </p:spPr>
+        <p:txBody>
+          <a:bodyPr/>
+          <a:lstStyle>
+            <a:lvl1pPr marL="228600" indent="-228600" algn="l" defTabSz="914400" rtl="0" eaLnBrk="1" latinLnBrk="1" hangingPunct="1">
+              <a:lnSpc>
+                <a:spcPct val="90000"/>
+              </a:lnSpc>
+              <a:spcBef>
+                <a:spcPts val="1000"/>
+              </a:spcBef>
+              <a:buFont typeface="Arial" panose="020B0604020202020204" pitchFamily="34" charset="0"/>
+              <a:buChar char="•"/>
+              <a:defRPr sz="2800" kern="1200">
+                <a:solidFill>
+                  <a:schemeClr val="tx1"/>
+                </a:solidFill>
+                <a:latin typeface="+mn-lt"/>
+                <a:ea typeface="+mn-ea"/>
+                <a:cs typeface="+mn-cs"/>
+              </a:defRPr>
+            </a:lvl1pPr>
+            <a:lvl2pPr marL="685800" indent="-228600" algn="l" defTabSz="914400" rtl="0" eaLnBrk="1" latinLnBrk="1" hangingPunct="1">
+              <a:lnSpc>
+                <a:spcPct val="90000"/>
+              </a:lnSpc>
+              <a:spcBef>
+                <a:spcPts val="500"/>
+              </a:spcBef>
+              <a:buFont typeface="Arial" panose="020B0604020202020204" pitchFamily="34" charset="0"/>
+              <a:buChar char="•"/>
+              <a:defRPr sz="2400" kern="1200">
+                <a:solidFill>
+                  <a:schemeClr val="tx1"/>
+                </a:solidFill>
+                <a:latin typeface="+mn-lt"/>
+                <a:ea typeface="+mn-ea"/>
+                <a:cs typeface="+mn-cs"/>
+              </a:defRPr>
+            </a:lvl2pPr>
+            <a:lvl3pPr marL="1143000" indent="-228600" algn="l" defTabSz="914400" rtl="0" eaLnBrk="1" latinLnBrk="1" hangingPunct="1">
+              <a:lnSpc>
+                <a:spcPct val="90000"/>
+              </a:lnSpc>
+              <a:spcBef>
+                <a:spcPts val="500"/>
+              </a:spcBef>
+              <a:buFont typeface="Arial" panose="020B0604020202020204" pitchFamily="34" charset="0"/>
+              <a:buChar char="•"/>
+              <a:defRPr sz="2000" kern="1200">
+                <a:solidFill>
+                  <a:schemeClr val="tx1"/>
+                </a:solidFill>
+                <a:latin typeface="+mn-lt"/>
+                <a:ea typeface="+mn-ea"/>
+                <a:cs typeface="+mn-cs"/>
+              </a:defRPr>
+            </a:lvl3pPr>
+            <a:lvl4pPr marL="1600200" indent="-228600" algn="l" defTabSz="914400" rtl="0" eaLnBrk="1" latinLnBrk="1" hangingPunct="1">
+              <a:lnSpc>
+                <a:spcPct val="90000"/>
+              </a:lnSpc>
+              <a:spcBef>
+                <a:spcPts val="500"/>
+              </a:spcBef>
+              <a:buFont typeface="Arial" panose="020B0604020202020204" pitchFamily="34" charset="0"/>
+              <a:buChar char="•"/>
+              <a:defRPr sz="1800" kern="1200">
+                <a:solidFill>
+                  <a:schemeClr val="tx1"/>
+                </a:solidFill>
+                <a:latin typeface="+mn-lt"/>
+                <a:ea typeface="+mn-ea"/>
+                <a:cs typeface="+mn-cs"/>
+              </a:defRPr>
+            </a:lvl4pPr>
+            <a:lvl5pPr marL="2057400" indent="-228600" algn="l" defTabSz="914400" rtl="0" eaLnBrk="1" latinLnBrk="1" hangingPunct="1">
+              <a:lnSpc>
+                <a:spcPct val="90000"/>
+              </a:lnSpc>
+              <a:spcBef>
+                <a:spcPts val="500"/>
+              </a:spcBef>
+              <a:buFont typeface="Arial" panose="020B0604020202020204" pitchFamily="34" charset="0"/>
+              <a:buChar char="•"/>
+              <a:defRPr sz="1800" kern="1200">
+                <a:solidFill>
+                  <a:schemeClr val="tx1"/>
+                </a:solidFill>
+                <a:latin typeface="+mn-lt"/>
+                <a:ea typeface="+mn-ea"/>
+                <a:cs typeface="+mn-cs"/>
+              </a:defRPr>
+            </a:lvl5pPr>
+            <a:lvl6pPr marL="2514600" indent="-228600" algn="l" defTabSz="914400" rtl="0" eaLnBrk="1" latinLnBrk="1" hangingPunct="1">
+              <a:lnSpc>
+                <a:spcPct val="90000"/>
+              </a:lnSpc>
+              <a:spcBef>
+                <a:spcPts val="500"/>
+              </a:spcBef>
+              <a:buFont typeface="Arial" panose="020B0604020202020204" pitchFamily="34" charset="0"/>
+              <a:buChar char="•"/>
+              <a:defRPr sz="1800" kern="1200">
+                <a:solidFill>
+                  <a:schemeClr val="tx1"/>
+                </a:solidFill>
+                <a:latin typeface="+mn-lt"/>
+                <a:ea typeface="+mn-ea"/>
+                <a:cs typeface="+mn-cs"/>
+              </a:defRPr>
+            </a:lvl6pPr>
+            <a:lvl7pPr marL="2971800" indent="-228600" algn="l" defTabSz="914400" rtl="0" eaLnBrk="1" latinLnBrk="1" hangingPunct="1">
+              <a:lnSpc>
+                <a:spcPct val="90000"/>
+              </a:lnSpc>
+              <a:spcBef>
+                <a:spcPts val="500"/>
+              </a:spcBef>
+              <a:buFont typeface="Arial" panose="020B0604020202020204" pitchFamily="34" charset="0"/>
+              <a:buChar char="•"/>
+              <a:defRPr sz="1800" kern="1200">
+                <a:solidFill>
+                  <a:schemeClr val="tx1"/>
+                </a:solidFill>
+                <a:latin typeface="+mn-lt"/>
+                <a:ea typeface="+mn-ea"/>
+                <a:cs typeface="+mn-cs"/>
+              </a:defRPr>
+            </a:lvl7pPr>
+            <a:lvl8pPr marL="3429000" indent="-228600" algn="l" defTabSz="914400" rtl="0" eaLnBrk="1" latinLnBrk="1" hangingPunct="1">
+              <a:lnSpc>
+                <a:spcPct val="90000"/>
+              </a:lnSpc>
+              <a:spcBef>
+                <a:spcPts val="500"/>
+              </a:spcBef>
+              <a:buFont typeface="Arial" panose="020B0604020202020204" pitchFamily="34" charset="0"/>
+              <a:buChar char="•"/>
+              <a:defRPr sz="1800" kern="1200">
+                <a:solidFill>
+                  <a:schemeClr val="tx1"/>
+                </a:solidFill>
+                <a:latin typeface="+mn-lt"/>
+                <a:ea typeface="+mn-ea"/>
+                <a:cs typeface="+mn-cs"/>
+              </a:defRPr>
+            </a:lvl8pPr>
+            <a:lvl9pPr marL="3886200" indent="-228600" algn="l" defTabSz="914400" rtl="0" eaLnBrk="1" latinLnBrk="1" hangingPunct="1">
+              <a:lnSpc>
+                <a:spcPct val="90000"/>
+              </a:lnSpc>
+              <a:spcBef>
+                <a:spcPts val="500"/>
+              </a:spcBef>
+              <a:buFont typeface="Arial" panose="020B0604020202020204" pitchFamily="34" charset="0"/>
+              <a:buChar char="•"/>
+              <a:defRPr sz="1800" kern="1200">
+                <a:solidFill>
+                  <a:schemeClr val="tx1"/>
+                </a:solidFill>
+                <a:latin typeface="+mn-lt"/>
+                <a:ea typeface="+mn-ea"/>
+                <a:cs typeface="+mn-cs"/>
+              </a:defRPr>
+            </a:lvl9pPr>
+          </a:lstStyle>
+          <a:p>
+            <a:pPr>
+              <a:lnSpc>
+                <a:spcPct val="150000"/>
+              </a:lnSpc>
+              <a:buFont typeface="Wingdings" panose="05000000000000000000" pitchFamily="2" charset="2"/>
+              <a:buChar char="§"/>
+            </a:pPr>
+            <a:r>
+              <a:rPr lang="ko-KR" altLang="en-US" sz="2000" b="1" dirty="0" smtClean="0">
+                <a:solidFill>
+                  <a:srgbClr val="C00000"/>
+                </a:solidFill>
+              </a:rPr>
+              <a:t>열거 타입</a:t>
+            </a:r>
+            <a:endParaRPr lang="en-US" altLang="ko-KR" sz="2000" b="1" dirty="0" smtClean="0">
+              <a:solidFill>
+                <a:srgbClr val="C00000"/>
+              </a:solidFill>
+            </a:endParaRPr>
+          </a:p>
+        </p:txBody>
+      </p:sp>
+      <p:pic>
+        <p:nvPicPr>
+          <p:cNvPr id="2" name="그림 1"/>
+          <p:cNvPicPr>
+            <a:picLocks noChangeAspect="1"/>
+          </p:cNvPicPr>
+          <p:nvPr/>
+        </p:nvPicPr>
+        <p:blipFill>
+          <a:blip r:embed="rId2">
+            <a:extLst>
+              <a:ext uri="{28A0092B-C50C-407E-A947-70E740481C1C}">
+                <a14:useLocalDpi xmlns:a14="http://schemas.microsoft.com/office/drawing/2010/main" val="0"/>
+              </a:ext>
+            </a:extLst>
+          </a:blip>
+          <a:stretch>
+            <a:fillRect/>
+          </a:stretch>
+        </p:blipFill>
+        <p:spPr>
+          <a:xfrm>
+            <a:off x="2648744" y="980728"/>
+            <a:ext cx="5544616" cy="5271082"/>
+          </a:xfrm>
+          <a:prstGeom prst="rect">
+            <a:avLst/>
+          </a:prstGeom>
+          <a:ln>
+            <a:solidFill>
+              <a:schemeClr val="bg1">
+                <a:lumMod val="85000"/>
+              </a:schemeClr>
+            </a:solidFill>
+          </a:ln>
+        </p:spPr>
+      </p:pic>
+    </p:spTree>
+    <p:extLst>
+      <p:ext uri="{BB962C8B-B14F-4D97-AF65-F5344CB8AC3E}">
+        <p14:creationId xmlns:p14="http://schemas.microsoft.com/office/powerpoint/2010/main" val="3955387337"/>
+      </p:ext>
+    </p:extLst>
+  </p:cSld>
+  <p:clrMapOvr>
+    <a:masterClrMapping/>
+  </p:clrMapOvr>
+  <p:timing>
+    <p:tnLst>
+      <p:par>
+        <p:cTn id="1" dur="indefinite" restart="never" nodeType="tmRoot"/>
+      </p:par>
+    </p:tnLst>
+  </p:timing>
+</p:sld>
+</file>
+
+<file path=ppt/slides/slide31.xml><?xml version="1.0" encoding="utf-8"?>
 <p:sld xmlns:a="http://schemas.openxmlformats.org/drawingml/2006/main" xmlns:r="http://schemas.openxmlformats.org/officeDocument/2006/relationships" xmlns:p="http://schemas.openxmlformats.org/presentationml/2006/main">
   <p:cSld>
     <p:spTree>
@@ -19760,15 +19981,7 @@
                   <a:srgbClr val="002060"/>
                 </a:solidFill>
               </a:rPr>
-              <a:t>  </a:t>
-            </a:r>
-            <a:r>
-              <a:rPr lang="en-US" altLang="ko-KR" sz="2000" b="1" dirty="0" smtClean="0">
-                <a:solidFill>
-                  <a:srgbClr val="002060"/>
-                </a:solidFill>
-              </a:rPr>
-              <a:t> </a:t>
+              <a:t>   </a:t>
             </a:r>
             <a:r>
               <a:rPr lang="ko-KR" altLang="en-US" sz="1600" dirty="0" smtClean="0"/>

--- a/java_ppt/4장-매서드(함수).pptx
+++ b/java_ppt/4장-매서드(함수).pptx
@@ -5,7 +5,7 @@
     <p:sldMasterId id="2147483648" r:id="rId1"/>
   </p:sldMasterIdLst>
   <p:notesMasterIdLst>
-    <p:notesMasterId r:id="rId33"/>
+    <p:notesMasterId r:id="rId34"/>
   </p:notesMasterIdLst>
   <p:sldIdLst>
     <p:sldId id="256" r:id="rId2"/>
@@ -32,13 +32,14 @@
     <p:sldId id="405" r:id="rId23"/>
     <p:sldId id="404" r:id="rId24"/>
     <p:sldId id="396" r:id="rId25"/>
-    <p:sldId id="403" r:id="rId26"/>
-    <p:sldId id="399" r:id="rId27"/>
-    <p:sldId id="386" r:id="rId28"/>
-    <p:sldId id="402" r:id="rId29"/>
-    <p:sldId id="387" r:id="rId30"/>
-    <p:sldId id="392" r:id="rId31"/>
-    <p:sldId id="390" r:id="rId32"/>
+    <p:sldId id="406" r:id="rId26"/>
+    <p:sldId id="403" r:id="rId27"/>
+    <p:sldId id="399" r:id="rId28"/>
+    <p:sldId id="386" r:id="rId29"/>
+    <p:sldId id="402" r:id="rId30"/>
+    <p:sldId id="387" r:id="rId31"/>
+    <p:sldId id="392" r:id="rId32"/>
+    <p:sldId id="390" r:id="rId33"/>
   </p:sldIdLst>
   <p:sldSz cx="9906000" cy="6858000" type="A4"/>
   <p:notesSz cx="6858000" cy="9144000"/>
@@ -238,7 +239,7 @@
           <a:p>
             <a:fld id="{7665CDAC-D627-4E87-877A-1B781DD4CADC}" type="datetimeFigureOut">
               <a:rPr lang="ko-KR" altLang="en-US" smtClean="0"/>
-              <a:t>2023-05-18</a:t>
+              <a:t>2023-05-24</a:t>
             </a:fld>
             <a:endParaRPr lang="ko-KR" altLang="en-US"/>
           </a:p>
@@ -776,7 +777,7 @@
           <a:p>
             <a:fld id="{F4AC81B4-D91A-4578-85B3-829E63FCFE17}" type="datetime1">
               <a:rPr lang="ko-KR" altLang="en-US" smtClean="0"/>
-              <a:t>2023-05-18</a:t>
+              <a:t>2023-05-24</a:t>
             </a:fld>
             <a:endParaRPr lang="ko-KR" altLang="en-US"/>
           </a:p>
@@ -1151,7 +1152,7 @@
           <a:p>
             <a:fld id="{F5B77542-37E5-48F2-BAE7-80CC6B0EB6A3}" type="datetime1">
               <a:rPr lang="ko-KR" altLang="en-US" smtClean="0"/>
-              <a:t>2023-05-18</a:t>
+              <a:t>2023-05-24</a:t>
             </a:fld>
             <a:endParaRPr lang="ko-KR" altLang="en-US"/>
           </a:p>
@@ -1331,7 +1332,7 @@
           <a:p>
             <a:fld id="{227CF174-B5AC-4A98-B673-0BE8126D3F27}" type="datetime1">
               <a:rPr lang="ko-KR" altLang="en-US" smtClean="0"/>
-              <a:t>2023-05-18</a:t>
+              <a:t>2023-05-24</a:t>
             </a:fld>
             <a:endParaRPr lang="ko-KR" altLang="en-US"/>
           </a:p>
@@ -1505,7 +1506,7 @@
           <a:p>
             <a:fld id="{E20FDEC8-1339-42E8-9704-2977280C2FD3}" type="datetime1">
               <a:rPr lang="ko-KR" altLang="en-US" smtClean="0"/>
-              <a:t>2023-05-18</a:t>
+              <a:t>2023-05-24</a:t>
             </a:fld>
             <a:endParaRPr lang="ko-KR" altLang="en-US"/>
           </a:p>
@@ -1751,7 +1752,7 @@
           <a:p>
             <a:fld id="{4D18DC76-A282-4817-B790-197F054E1215}" type="datetime1">
               <a:rPr lang="ko-KR" altLang="en-US" smtClean="0"/>
-              <a:t>2023-05-18</a:t>
+              <a:t>2023-05-24</a:t>
             </a:fld>
             <a:endParaRPr lang="ko-KR" altLang="en-US"/>
           </a:p>
@@ -2039,7 +2040,7 @@
           <a:p>
             <a:fld id="{6680AA6C-13D8-43E4-90F0-E6C88A2B9F16}" type="datetime1">
               <a:rPr lang="ko-KR" altLang="en-US" smtClean="0"/>
-              <a:t>2023-05-18</a:t>
+              <a:t>2023-05-24</a:t>
             </a:fld>
             <a:endParaRPr lang="ko-KR" altLang="en-US"/>
           </a:p>
@@ -2461,7 +2462,7 @@
           <a:p>
             <a:fld id="{3EF5B03B-20CC-436E-8601-C933C6C1F4A6}" type="datetime1">
               <a:rPr lang="ko-KR" altLang="en-US" smtClean="0"/>
-              <a:t>2023-05-18</a:t>
+              <a:t>2023-05-24</a:t>
             </a:fld>
             <a:endParaRPr lang="ko-KR" altLang="en-US"/>
           </a:p>
@@ -2579,7 +2580,7 @@
           <a:p>
             <a:fld id="{87B5A15D-8B08-482F-AB47-E416EC355EB6}" type="datetime1">
               <a:rPr lang="ko-KR" altLang="en-US" smtClean="0"/>
-              <a:t>2023-05-18</a:t>
+              <a:t>2023-05-24</a:t>
             </a:fld>
             <a:endParaRPr lang="ko-KR" altLang="en-US"/>
           </a:p>
@@ -2674,7 +2675,7 @@
           <a:p>
             <a:fld id="{A877D7F8-7B64-44F8-A411-CBD22F28CBFF}" type="datetime1">
               <a:rPr lang="ko-KR" altLang="en-US" smtClean="0"/>
-              <a:t>2023-05-18</a:t>
+              <a:t>2023-05-24</a:t>
             </a:fld>
             <a:endParaRPr lang="ko-KR" altLang="en-US"/>
           </a:p>
@@ -2951,7 +2952,7 @@
           <a:p>
             <a:fld id="{E12DBD9B-2BB6-4D1F-BCB4-1E48829C93C3}" type="datetime1">
               <a:rPr lang="ko-KR" altLang="en-US" smtClean="0"/>
-              <a:t>2023-05-18</a:t>
+              <a:t>2023-05-24</a:t>
             </a:fld>
             <a:endParaRPr lang="ko-KR" altLang="en-US"/>
           </a:p>
@@ -3204,7 +3205,7 @@
           <a:p>
             <a:fld id="{17564C48-0CD7-40EB-BE64-BBF4DB8C56AF}" type="datetime1">
               <a:rPr lang="ko-KR" altLang="en-US" smtClean="0"/>
-              <a:t>2023-05-18</a:t>
+              <a:t>2023-05-24</a:t>
             </a:fld>
             <a:endParaRPr lang="ko-KR" altLang="en-US"/>
           </a:p>
@@ -3384,7 +3385,7 @@
           <a:p>
             <a:fld id="{C116BCB4-B68B-4638-8167-F4BDC0A30DA1}" type="datetime1">
               <a:rPr lang="ko-KR" altLang="en-US" smtClean="0"/>
-              <a:t>2023-05-18</a:t>
+              <a:t>2023-05-24</a:t>
             </a:fld>
             <a:endParaRPr lang="ko-KR" altLang="en-US"/>
           </a:p>
@@ -10755,12 +10756,8 @@
               <a:t> </a:t>
             </a:r>
             <a:r>
-              <a:rPr lang="en-US" altLang="ko-KR" dirty="0" smtClean="0"/>
-              <a:t>Calendar </a:t>
-            </a:r>
-            <a:r>
               <a:rPr lang="ko-KR" altLang="en-US" dirty="0" smtClean="0"/>
-              <a:t>클래스</a:t>
+              <a:t>지나온 시간 계산하기</a:t>
             </a:r>
             <a:endParaRPr lang="ko-KR" altLang="en-US" dirty="0"/>
           </a:p>
@@ -10791,7 +10788,7 @@
       </p:sp>
       <p:pic>
         <p:nvPicPr>
-          <p:cNvPr id="3" name="그림 2"/>
+          <p:cNvPr id="4" name="그림 3"/>
           <p:cNvPicPr>
             <a:picLocks noChangeAspect="1"/>
           </p:cNvPicPr>
@@ -10811,8 +10808,8 @@
         </p:blipFill>
         <p:spPr>
           <a:xfrm>
-            <a:off x="772345" y="980728"/>
-            <a:ext cx="8474827" cy="5112568"/>
+            <a:off x="416496" y="1268760"/>
+            <a:ext cx="9152194" cy="4392488"/>
           </a:xfrm>
           <a:prstGeom prst="rect">
             <a:avLst/>
@@ -10887,12 +10884,8 @@
               <a:t> </a:t>
             </a:r>
             <a:r>
-              <a:rPr lang="en-US" altLang="ko-KR" dirty="0" smtClean="0"/>
-              <a:t>Calendar </a:t>
-            </a:r>
-            <a:r>
               <a:rPr lang="ko-KR" altLang="en-US" dirty="0" smtClean="0"/>
-              <a:t>클래스</a:t>
+              <a:t>지나온 시간 계산하기</a:t>
             </a:r>
             <a:endParaRPr lang="ko-KR" altLang="en-US" dirty="0"/>
           </a:p>
@@ -10916,6 +10909,138 @@
             <a:fld id="{1BDE3FE7-3AEA-4B05-AC5A-802D1816ACF0}" type="slidenum">
               <a:rPr lang="ko-KR" altLang="en-US" smtClean="0"/>
               <a:t>25</a:t>
+            </a:fld>
+            <a:endParaRPr lang="ko-KR" altLang="en-US"/>
+          </a:p>
+        </p:txBody>
+      </p:sp>
+      <p:pic>
+        <p:nvPicPr>
+          <p:cNvPr id="2" name="그림 1"/>
+          <p:cNvPicPr>
+            <a:picLocks noChangeAspect="1"/>
+          </p:cNvPicPr>
+          <p:nvPr/>
+        </p:nvPicPr>
+        <p:blipFill>
+          <a:blip r:embed="rId2">
+            <a:extLst>
+              <a:ext uri="{28A0092B-C50C-407E-A947-70E740481C1C}">
+                <a14:useLocalDpi xmlns:a14="http://schemas.microsoft.com/office/drawing/2010/main" val="0"/>
+              </a:ext>
+            </a:extLst>
+          </a:blip>
+          <a:stretch>
+            <a:fillRect/>
+          </a:stretch>
+        </p:blipFill>
+        <p:spPr>
+          <a:xfrm>
+            <a:off x="344488" y="1124744"/>
+            <a:ext cx="9129551" cy="4823878"/>
+          </a:xfrm>
+          <a:prstGeom prst="rect">
+            <a:avLst/>
+          </a:prstGeom>
+          <a:ln>
+            <a:solidFill>
+              <a:schemeClr val="bg1">
+                <a:lumMod val="85000"/>
+              </a:schemeClr>
+            </a:solidFill>
+          </a:ln>
+        </p:spPr>
+      </p:pic>
+    </p:spTree>
+    <p:extLst>
+      <p:ext uri="{BB962C8B-B14F-4D97-AF65-F5344CB8AC3E}">
+        <p14:creationId xmlns:p14="http://schemas.microsoft.com/office/powerpoint/2010/main" val="3235896485"/>
+      </p:ext>
+    </p:extLst>
+  </p:cSld>
+  <p:clrMapOvr>
+    <a:masterClrMapping/>
+  </p:clrMapOvr>
+  <p:timing>
+    <p:tnLst>
+      <p:par>
+        <p:cTn id="1" dur="indefinite" restart="never" nodeType="tmRoot"/>
+      </p:par>
+    </p:tnLst>
+  </p:timing>
+</p:sld>
+</file>
+
+<file path=ppt/slides/slide26.xml><?xml version="1.0" encoding="utf-8"?>
+<p:sld xmlns:a="http://schemas.openxmlformats.org/drawingml/2006/main" xmlns:r="http://schemas.openxmlformats.org/officeDocument/2006/relationships" xmlns:p="http://schemas.openxmlformats.org/presentationml/2006/main">
+  <p:cSld>
+    <p:spTree>
+      <p:nvGrpSpPr>
+        <p:cNvPr id="1" name=""/>
+        <p:cNvGrpSpPr/>
+        <p:nvPr/>
+      </p:nvGrpSpPr>
+      <p:grpSpPr>
+        <a:xfrm>
+          <a:off x="0" y="0"/>
+          <a:ext cx="0" cy="0"/>
+          <a:chOff x="0" y="0"/>
+          <a:chExt cx="0" cy="0"/>
+        </a:xfrm>
+      </p:grpSpPr>
+      <p:sp>
+        <p:nvSpPr>
+          <p:cNvPr id="6" name="제목 5"/>
+          <p:cNvSpPr>
+            <a:spLocks noGrp="1"/>
+          </p:cNvSpPr>
+          <p:nvPr>
+            <p:ph type="title"/>
+          </p:nvPr>
+        </p:nvSpPr>
+        <p:spPr/>
+        <p:txBody>
+          <a:bodyPr/>
+          <a:lstStyle/>
+          <a:p>
+            <a:r>
+              <a:rPr lang="en-US" altLang="ko-KR" dirty="0" smtClean="0"/>
+              <a:t> </a:t>
+            </a:r>
+            <a:r>
+              <a:rPr lang="en-US" altLang="ko-KR" dirty="0"/>
+              <a:t> </a:t>
+            </a:r>
+            <a:r>
+              <a:rPr lang="en-US" altLang="ko-KR" dirty="0" smtClean="0"/>
+              <a:t>Calendar </a:t>
+            </a:r>
+            <a:r>
+              <a:rPr lang="ko-KR" altLang="en-US" dirty="0" smtClean="0"/>
+              <a:t>클래스</a:t>
+            </a:r>
+            <a:endParaRPr lang="ko-KR" altLang="en-US" dirty="0"/>
+          </a:p>
+        </p:txBody>
+      </p:sp>
+      <p:sp>
+        <p:nvSpPr>
+          <p:cNvPr id="5" name="슬라이드 번호 개체 틀 4"/>
+          <p:cNvSpPr>
+            <a:spLocks noGrp="1"/>
+          </p:cNvSpPr>
+          <p:nvPr>
+            <p:ph type="sldNum" sz="quarter" idx="12"/>
+          </p:nvPr>
+        </p:nvSpPr>
+        <p:spPr/>
+        <p:txBody>
+          <a:bodyPr/>
+          <a:lstStyle/>
+          <a:p>
+            <a:fld id="{1BDE3FE7-3AEA-4B05-AC5A-802D1816ACF0}" type="slidenum">
+              <a:rPr lang="ko-KR" altLang="en-US" smtClean="0"/>
+              <a:t>26</a:t>
             </a:fld>
             <a:endParaRPr lang="ko-KR" altLang="en-US"/>
           </a:p>
@@ -11064,7 +11189,7 @@
 </p:sld>
 </file>
 
-<file path=ppt/slides/slide26.xml><?xml version="1.0" encoding="utf-8"?>
+<file path=ppt/slides/slide27.xml><?xml version="1.0" encoding="utf-8"?>
 <p:sld xmlns:a="http://schemas.openxmlformats.org/drawingml/2006/main" xmlns:r="http://schemas.openxmlformats.org/officeDocument/2006/relationships" xmlns:p="http://schemas.openxmlformats.org/presentationml/2006/main">
   <p:cSld>
     <p:spTree>
@@ -11263,7 +11388,7 @@
 </p:sld>
 </file>
 
-<file path=ppt/slides/slide27.xml><?xml version="1.0" encoding="utf-8"?>
+<file path=ppt/slides/slide28.xml><?xml version="1.0" encoding="utf-8"?>
 <p:sld xmlns:a="http://schemas.openxmlformats.org/drawingml/2006/main" xmlns:r="http://schemas.openxmlformats.org/officeDocument/2006/relationships" xmlns:p="http://schemas.openxmlformats.org/presentationml/2006/main">
   <p:cSld>
     <p:spTree>
@@ -11328,7 +11453,7 @@
           <a:p>
             <a:fld id="{1BDE3FE7-3AEA-4B05-AC5A-802D1816ACF0}" type="slidenum">
               <a:rPr lang="ko-KR" altLang="en-US" smtClean="0"/>
-              <a:t>27</a:t>
+              <a:t>28</a:t>
             </a:fld>
             <a:endParaRPr lang="ko-KR" altLang="en-US"/>
           </a:p>
@@ -11641,7 +11766,7 @@
 </p:sld>
 </file>
 
-<file path=ppt/slides/slide28.xml><?xml version="1.0" encoding="utf-8"?>
+<file path=ppt/slides/slide29.xml><?xml version="1.0" encoding="utf-8"?>
 <p:sld xmlns:a="http://schemas.openxmlformats.org/drawingml/2006/main" xmlns:r="http://schemas.openxmlformats.org/officeDocument/2006/relationships" xmlns:p="http://schemas.openxmlformats.org/presentationml/2006/main">
   <p:cSld>
     <p:spTree>
@@ -11706,7 +11831,7 @@
           <a:p>
             <a:fld id="{1BDE3FE7-3AEA-4B05-AC5A-802D1816ACF0}" type="slidenum">
               <a:rPr lang="ko-KR" altLang="en-US" smtClean="0"/>
-              <a:t>28</a:t>
+              <a:t>29</a:t>
             </a:fld>
             <a:endParaRPr lang="ko-KR" altLang="en-US"/>
           </a:p>
@@ -12051,347 +12176,6 @@
     <p:extLst>
       <p:ext uri="{BB962C8B-B14F-4D97-AF65-F5344CB8AC3E}">
         <p14:creationId xmlns:p14="http://schemas.microsoft.com/office/powerpoint/2010/main" val="1300768291"/>
-      </p:ext>
-    </p:extLst>
-  </p:cSld>
-  <p:clrMapOvr>
-    <a:masterClrMapping/>
-  </p:clrMapOvr>
-  <p:timing>
-    <p:tnLst>
-      <p:par>
-        <p:cTn id="1" dur="indefinite" restart="never" nodeType="tmRoot"/>
-      </p:par>
-    </p:tnLst>
-  </p:timing>
-</p:sld>
-</file>
-
-<file path=ppt/slides/slide29.xml><?xml version="1.0" encoding="utf-8"?>
-<p:sld xmlns:a="http://schemas.openxmlformats.org/drawingml/2006/main" xmlns:r="http://schemas.openxmlformats.org/officeDocument/2006/relationships" xmlns:p="http://schemas.openxmlformats.org/presentationml/2006/main">
-  <p:cSld>
-    <p:spTree>
-      <p:nvGrpSpPr>
-        <p:cNvPr id="1" name=""/>
-        <p:cNvGrpSpPr/>
-        <p:nvPr/>
-      </p:nvGrpSpPr>
-      <p:grpSpPr>
-        <a:xfrm>
-          <a:off x="0" y="0"/>
-          <a:ext cx="0" cy="0"/>
-          <a:chOff x="0" y="0"/>
-          <a:chExt cx="0" cy="0"/>
-        </a:xfrm>
-      </p:grpSpPr>
-      <p:sp>
-        <p:nvSpPr>
-          <p:cNvPr id="6" name="제목 5"/>
-          <p:cNvSpPr>
-            <a:spLocks noGrp="1"/>
-          </p:cNvSpPr>
-          <p:nvPr>
-            <p:ph type="title"/>
-          </p:nvPr>
-        </p:nvSpPr>
-        <p:spPr/>
-        <p:txBody>
-          <a:bodyPr/>
-          <a:lstStyle/>
-          <a:p>
-            <a:r>
-              <a:rPr lang="en-US" altLang="ko-KR" dirty="0" smtClean="0"/>
-              <a:t> </a:t>
-            </a:r>
-            <a:r>
-              <a:rPr lang="ko-KR" altLang="en-US" dirty="0"/>
-              <a:t> </a:t>
-            </a:r>
-            <a:r>
-              <a:rPr lang="ko-KR" altLang="en-US" dirty="0" smtClean="0"/>
-              <a:t>열거 타입</a:t>
-            </a:r>
-            <a:endParaRPr lang="ko-KR" altLang="en-US" dirty="0"/>
-          </a:p>
-        </p:txBody>
-      </p:sp>
-      <p:sp>
-        <p:nvSpPr>
-          <p:cNvPr id="5" name="슬라이드 번호 개체 틀 4"/>
-          <p:cNvSpPr>
-            <a:spLocks noGrp="1"/>
-          </p:cNvSpPr>
-          <p:nvPr>
-            <p:ph type="sldNum" sz="quarter" idx="12"/>
-          </p:nvPr>
-        </p:nvSpPr>
-        <p:spPr/>
-        <p:txBody>
-          <a:bodyPr/>
-          <a:lstStyle/>
-          <a:p>
-            <a:fld id="{1BDE3FE7-3AEA-4B05-AC5A-802D1816ACF0}" type="slidenum">
-              <a:rPr lang="ko-KR" altLang="en-US" smtClean="0"/>
-              <a:t>29</a:t>
-            </a:fld>
-            <a:endParaRPr lang="ko-KR" altLang="en-US"/>
-          </a:p>
-        </p:txBody>
-      </p:sp>
-      <p:sp>
-        <p:nvSpPr>
-          <p:cNvPr id="7" name="내용 개체 틀 2">
-            <a:extLst>
-              <a:ext uri="{FF2B5EF4-FFF2-40B4-BE49-F238E27FC236}">
-                <a16:creationId xmlns:a16="http://schemas.microsoft.com/office/drawing/2014/main" id="{98AF3A4E-7D90-4241-89FE-799D6F9D5A94}"/>
-              </a:ext>
-            </a:extLst>
-          </p:cNvPr>
-          <p:cNvSpPr txBox="1">
-            <a:spLocks/>
-          </p:cNvSpPr>
-          <p:nvPr/>
-        </p:nvSpPr>
-        <p:spPr>
-          <a:xfrm>
-            <a:off x="848544" y="1124744"/>
-            <a:ext cx="5256584" cy="648072"/>
-          </a:xfrm>
-          <a:prstGeom prst="rect">
-            <a:avLst/>
-          </a:prstGeom>
-        </p:spPr>
-        <p:txBody>
-          <a:bodyPr/>
-          <a:lstStyle>
-            <a:lvl1pPr marL="228600" indent="-228600" algn="l" defTabSz="914400" rtl="0" eaLnBrk="1" latinLnBrk="1" hangingPunct="1">
-              <a:lnSpc>
-                <a:spcPct val="90000"/>
-              </a:lnSpc>
-              <a:spcBef>
-                <a:spcPts val="1000"/>
-              </a:spcBef>
-              <a:buFont typeface="Arial" panose="020B0604020202020204" pitchFamily="34" charset="0"/>
-              <a:buChar char="•"/>
-              <a:defRPr sz="2800" kern="1200">
-                <a:solidFill>
-                  <a:schemeClr val="tx1"/>
-                </a:solidFill>
-                <a:latin typeface="+mn-lt"/>
-                <a:ea typeface="+mn-ea"/>
-                <a:cs typeface="+mn-cs"/>
-              </a:defRPr>
-            </a:lvl1pPr>
-            <a:lvl2pPr marL="685800" indent="-228600" algn="l" defTabSz="914400" rtl="0" eaLnBrk="1" latinLnBrk="1" hangingPunct="1">
-              <a:lnSpc>
-                <a:spcPct val="90000"/>
-              </a:lnSpc>
-              <a:spcBef>
-                <a:spcPts val="500"/>
-              </a:spcBef>
-              <a:buFont typeface="Arial" panose="020B0604020202020204" pitchFamily="34" charset="0"/>
-              <a:buChar char="•"/>
-              <a:defRPr sz="2400" kern="1200">
-                <a:solidFill>
-                  <a:schemeClr val="tx1"/>
-                </a:solidFill>
-                <a:latin typeface="+mn-lt"/>
-                <a:ea typeface="+mn-ea"/>
-                <a:cs typeface="+mn-cs"/>
-              </a:defRPr>
-            </a:lvl2pPr>
-            <a:lvl3pPr marL="1143000" indent="-228600" algn="l" defTabSz="914400" rtl="0" eaLnBrk="1" latinLnBrk="1" hangingPunct="1">
-              <a:lnSpc>
-                <a:spcPct val="90000"/>
-              </a:lnSpc>
-              <a:spcBef>
-                <a:spcPts val="500"/>
-              </a:spcBef>
-              <a:buFont typeface="Arial" panose="020B0604020202020204" pitchFamily="34" charset="0"/>
-              <a:buChar char="•"/>
-              <a:defRPr sz="2000" kern="1200">
-                <a:solidFill>
-                  <a:schemeClr val="tx1"/>
-                </a:solidFill>
-                <a:latin typeface="+mn-lt"/>
-                <a:ea typeface="+mn-ea"/>
-                <a:cs typeface="+mn-cs"/>
-              </a:defRPr>
-            </a:lvl3pPr>
-            <a:lvl4pPr marL="1600200" indent="-228600" algn="l" defTabSz="914400" rtl="0" eaLnBrk="1" latinLnBrk="1" hangingPunct="1">
-              <a:lnSpc>
-                <a:spcPct val="90000"/>
-              </a:lnSpc>
-              <a:spcBef>
-                <a:spcPts val="500"/>
-              </a:spcBef>
-              <a:buFont typeface="Arial" panose="020B0604020202020204" pitchFamily="34" charset="0"/>
-              <a:buChar char="•"/>
-              <a:defRPr sz="1800" kern="1200">
-                <a:solidFill>
-                  <a:schemeClr val="tx1"/>
-                </a:solidFill>
-                <a:latin typeface="+mn-lt"/>
-                <a:ea typeface="+mn-ea"/>
-                <a:cs typeface="+mn-cs"/>
-              </a:defRPr>
-            </a:lvl4pPr>
-            <a:lvl5pPr marL="2057400" indent="-228600" algn="l" defTabSz="914400" rtl="0" eaLnBrk="1" latinLnBrk="1" hangingPunct="1">
-              <a:lnSpc>
-                <a:spcPct val="90000"/>
-              </a:lnSpc>
-              <a:spcBef>
-                <a:spcPts val="500"/>
-              </a:spcBef>
-              <a:buFont typeface="Arial" panose="020B0604020202020204" pitchFamily="34" charset="0"/>
-              <a:buChar char="•"/>
-              <a:defRPr sz="1800" kern="1200">
-                <a:solidFill>
-                  <a:schemeClr val="tx1"/>
-                </a:solidFill>
-                <a:latin typeface="+mn-lt"/>
-                <a:ea typeface="+mn-ea"/>
-                <a:cs typeface="+mn-cs"/>
-              </a:defRPr>
-            </a:lvl5pPr>
-            <a:lvl6pPr marL="2514600" indent="-228600" algn="l" defTabSz="914400" rtl="0" eaLnBrk="1" latinLnBrk="1" hangingPunct="1">
-              <a:lnSpc>
-                <a:spcPct val="90000"/>
-              </a:lnSpc>
-              <a:spcBef>
-                <a:spcPts val="500"/>
-              </a:spcBef>
-              <a:buFont typeface="Arial" panose="020B0604020202020204" pitchFamily="34" charset="0"/>
-              <a:buChar char="•"/>
-              <a:defRPr sz="1800" kern="1200">
-                <a:solidFill>
-                  <a:schemeClr val="tx1"/>
-                </a:solidFill>
-                <a:latin typeface="+mn-lt"/>
-                <a:ea typeface="+mn-ea"/>
-                <a:cs typeface="+mn-cs"/>
-              </a:defRPr>
-            </a:lvl6pPr>
-            <a:lvl7pPr marL="2971800" indent="-228600" algn="l" defTabSz="914400" rtl="0" eaLnBrk="1" latinLnBrk="1" hangingPunct="1">
-              <a:lnSpc>
-                <a:spcPct val="90000"/>
-              </a:lnSpc>
-              <a:spcBef>
-                <a:spcPts val="500"/>
-              </a:spcBef>
-              <a:buFont typeface="Arial" panose="020B0604020202020204" pitchFamily="34" charset="0"/>
-              <a:buChar char="•"/>
-              <a:defRPr sz="1800" kern="1200">
-                <a:solidFill>
-                  <a:schemeClr val="tx1"/>
-                </a:solidFill>
-                <a:latin typeface="+mn-lt"/>
-                <a:ea typeface="+mn-ea"/>
-                <a:cs typeface="+mn-cs"/>
-              </a:defRPr>
-            </a:lvl7pPr>
-            <a:lvl8pPr marL="3429000" indent="-228600" algn="l" defTabSz="914400" rtl="0" eaLnBrk="1" latinLnBrk="1" hangingPunct="1">
-              <a:lnSpc>
-                <a:spcPct val="90000"/>
-              </a:lnSpc>
-              <a:spcBef>
-                <a:spcPts val="500"/>
-              </a:spcBef>
-              <a:buFont typeface="Arial" panose="020B0604020202020204" pitchFamily="34" charset="0"/>
-              <a:buChar char="•"/>
-              <a:defRPr sz="1800" kern="1200">
-                <a:solidFill>
-                  <a:schemeClr val="tx1"/>
-                </a:solidFill>
-                <a:latin typeface="+mn-lt"/>
-                <a:ea typeface="+mn-ea"/>
-                <a:cs typeface="+mn-cs"/>
-              </a:defRPr>
-            </a:lvl8pPr>
-            <a:lvl9pPr marL="3886200" indent="-228600" algn="l" defTabSz="914400" rtl="0" eaLnBrk="1" latinLnBrk="1" hangingPunct="1">
-              <a:lnSpc>
-                <a:spcPct val="90000"/>
-              </a:lnSpc>
-              <a:spcBef>
-                <a:spcPts val="500"/>
-              </a:spcBef>
-              <a:buFont typeface="Arial" panose="020B0604020202020204" pitchFamily="34" charset="0"/>
-              <a:buChar char="•"/>
-              <a:defRPr sz="1800" kern="1200">
-                <a:solidFill>
-                  <a:schemeClr val="tx1"/>
-                </a:solidFill>
-                <a:latin typeface="+mn-lt"/>
-                <a:ea typeface="+mn-ea"/>
-                <a:cs typeface="+mn-cs"/>
-              </a:defRPr>
-            </a:lvl9pPr>
-          </a:lstStyle>
-          <a:p>
-            <a:pPr>
-              <a:lnSpc>
-                <a:spcPct val="150000"/>
-              </a:lnSpc>
-              <a:buFont typeface="Wingdings" panose="05000000000000000000" pitchFamily="2" charset="2"/>
-              <a:buChar char="§"/>
-            </a:pPr>
-            <a:r>
-              <a:rPr lang="ko-KR" altLang="en-US" sz="2000" b="1" dirty="0" smtClean="0">
-                <a:solidFill>
-                  <a:srgbClr val="C00000"/>
-                </a:solidFill>
-              </a:rPr>
-              <a:t>열거 타입</a:t>
-            </a:r>
-            <a:endParaRPr lang="en-US" altLang="ko-KR" sz="2000" b="1" dirty="0" smtClean="0">
-              <a:solidFill>
-                <a:srgbClr val="C00000"/>
-              </a:solidFill>
-            </a:endParaRPr>
-          </a:p>
-        </p:txBody>
-      </p:sp>
-      <p:pic>
-        <p:nvPicPr>
-          <p:cNvPr id="3" name="그림 2"/>
-          <p:cNvPicPr>
-            <a:picLocks noChangeAspect="1"/>
-          </p:cNvPicPr>
-          <p:nvPr/>
-        </p:nvPicPr>
-        <p:blipFill>
-          <a:blip r:embed="rId2">
-            <a:extLst>
-              <a:ext uri="{28A0092B-C50C-407E-A947-70E740481C1C}">
-                <a14:useLocalDpi xmlns:a14="http://schemas.microsoft.com/office/drawing/2010/main" val="0"/>
-              </a:ext>
-            </a:extLst>
-          </a:blip>
-          <a:stretch>
-            <a:fillRect/>
-          </a:stretch>
-        </p:blipFill>
-        <p:spPr>
-          <a:xfrm>
-            <a:off x="2720752" y="1124744"/>
-            <a:ext cx="5098171" cy="5070944"/>
-          </a:xfrm>
-          <a:prstGeom prst="rect">
-            <a:avLst/>
-          </a:prstGeom>
-          <a:ln>
-            <a:solidFill>
-              <a:schemeClr val="bg1">
-                <a:lumMod val="85000"/>
-              </a:schemeClr>
-            </a:solidFill>
-          </a:ln>
-        </p:spPr>
-      </p:pic>
-    </p:spTree>
-    <p:extLst>
-      <p:ext uri="{BB962C8B-B14F-4D97-AF65-F5344CB8AC3E}">
-        <p14:creationId xmlns:p14="http://schemas.microsoft.com/office/powerpoint/2010/main" val="3109840977"/>
       </p:ext>
     </p:extLst>
   </p:cSld>
@@ -13844,6 +13628,347 @@
       </p:sp>
       <p:pic>
         <p:nvPicPr>
+          <p:cNvPr id="3" name="그림 2"/>
+          <p:cNvPicPr>
+            <a:picLocks noChangeAspect="1"/>
+          </p:cNvPicPr>
+          <p:nvPr/>
+        </p:nvPicPr>
+        <p:blipFill>
+          <a:blip r:embed="rId2">
+            <a:extLst>
+              <a:ext uri="{28A0092B-C50C-407E-A947-70E740481C1C}">
+                <a14:useLocalDpi xmlns:a14="http://schemas.microsoft.com/office/drawing/2010/main" val="0"/>
+              </a:ext>
+            </a:extLst>
+          </a:blip>
+          <a:stretch>
+            <a:fillRect/>
+          </a:stretch>
+        </p:blipFill>
+        <p:spPr>
+          <a:xfrm>
+            <a:off x="2720752" y="1124744"/>
+            <a:ext cx="5098171" cy="5070944"/>
+          </a:xfrm>
+          <a:prstGeom prst="rect">
+            <a:avLst/>
+          </a:prstGeom>
+          <a:ln>
+            <a:solidFill>
+              <a:schemeClr val="bg1">
+                <a:lumMod val="85000"/>
+              </a:schemeClr>
+            </a:solidFill>
+          </a:ln>
+        </p:spPr>
+      </p:pic>
+    </p:spTree>
+    <p:extLst>
+      <p:ext uri="{BB962C8B-B14F-4D97-AF65-F5344CB8AC3E}">
+        <p14:creationId xmlns:p14="http://schemas.microsoft.com/office/powerpoint/2010/main" val="3109840977"/>
+      </p:ext>
+    </p:extLst>
+  </p:cSld>
+  <p:clrMapOvr>
+    <a:masterClrMapping/>
+  </p:clrMapOvr>
+  <p:timing>
+    <p:tnLst>
+      <p:par>
+        <p:cTn id="1" dur="indefinite" restart="never" nodeType="tmRoot"/>
+      </p:par>
+    </p:tnLst>
+  </p:timing>
+</p:sld>
+</file>
+
+<file path=ppt/slides/slide31.xml><?xml version="1.0" encoding="utf-8"?>
+<p:sld xmlns:a="http://schemas.openxmlformats.org/drawingml/2006/main" xmlns:r="http://schemas.openxmlformats.org/officeDocument/2006/relationships" xmlns:p="http://schemas.openxmlformats.org/presentationml/2006/main">
+  <p:cSld>
+    <p:spTree>
+      <p:nvGrpSpPr>
+        <p:cNvPr id="1" name=""/>
+        <p:cNvGrpSpPr/>
+        <p:nvPr/>
+      </p:nvGrpSpPr>
+      <p:grpSpPr>
+        <a:xfrm>
+          <a:off x="0" y="0"/>
+          <a:ext cx="0" cy="0"/>
+          <a:chOff x="0" y="0"/>
+          <a:chExt cx="0" cy="0"/>
+        </a:xfrm>
+      </p:grpSpPr>
+      <p:sp>
+        <p:nvSpPr>
+          <p:cNvPr id="6" name="제목 5"/>
+          <p:cNvSpPr>
+            <a:spLocks noGrp="1"/>
+          </p:cNvSpPr>
+          <p:nvPr>
+            <p:ph type="title"/>
+          </p:nvPr>
+        </p:nvSpPr>
+        <p:spPr/>
+        <p:txBody>
+          <a:bodyPr/>
+          <a:lstStyle/>
+          <a:p>
+            <a:r>
+              <a:rPr lang="en-US" altLang="ko-KR" dirty="0" smtClean="0"/>
+              <a:t> </a:t>
+            </a:r>
+            <a:r>
+              <a:rPr lang="ko-KR" altLang="en-US" dirty="0"/>
+              <a:t> </a:t>
+            </a:r>
+            <a:r>
+              <a:rPr lang="ko-KR" altLang="en-US" dirty="0" smtClean="0"/>
+              <a:t>열거 타입</a:t>
+            </a:r>
+            <a:endParaRPr lang="ko-KR" altLang="en-US" dirty="0"/>
+          </a:p>
+        </p:txBody>
+      </p:sp>
+      <p:sp>
+        <p:nvSpPr>
+          <p:cNvPr id="5" name="슬라이드 번호 개체 틀 4"/>
+          <p:cNvSpPr>
+            <a:spLocks noGrp="1"/>
+          </p:cNvSpPr>
+          <p:nvPr>
+            <p:ph type="sldNum" sz="quarter" idx="12"/>
+          </p:nvPr>
+        </p:nvSpPr>
+        <p:spPr/>
+        <p:txBody>
+          <a:bodyPr/>
+          <a:lstStyle/>
+          <a:p>
+            <a:fld id="{1BDE3FE7-3AEA-4B05-AC5A-802D1816ACF0}" type="slidenum">
+              <a:rPr lang="ko-KR" altLang="en-US" smtClean="0"/>
+              <a:t>31</a:t>
+            </a:fld>
+            <a:endParaRPr lang="ko-KR" altLang="en-US"/>
+          </a:p>
+        </p:txBody>
+      </p:sp>
+      <p:sp>
+        <p:nvSpPr>
+          <p:cNvPr id="7" name="내용 개체 틀 2">
+            <a:extLst>
+              <a:ext uri="{FF2B5EF4-FFF2-40B4-BE49-F238E27FC236}">
+                <a16:creationId xmlns:a16="http://schemas.microsoft.com/office/drawing/2014/main" id="{98AF3A4E-7D90-4241-89FE-799D6F9D5A94}"/>
+              </a:ext>
+            </a:extLst>
+          </p:cNvPr>
+          <p:cNvSpPr txBox="1">
+            <a:spLocks/>
+          </p:cNvSpPr>
+          <p:nvPr/>
+        </p:nvSpPr>
+        <p:spPr>
+          <a:xfrm>
+            <a:off x="848544" y="1124744"/>
+            <a:ext cx="5256584" cy="648072"/>
+          </a:xfrm>
+          <a:prstGeom prst="rect">
+            <a:avLst/>
+          </a:prstGeom>
+        </p:spPr>
+        <p:txBody>
+          <a:bodyPr/>
+          <a:lstStyle>
+            <a:lvl1pPr marL="228600" indent="-228600" algn="l" defTabSz="914400" rtl="0" eaLnBrk="1" latinLnBrk="1" hangingPunct="1">
+              <a:lnSpc>
+                <a:spcPct val="90000"/>
+              </a:lnSpc>
+              <a:spcBef>
+                <a:spcPts val="1000"/>
+              </a:spcBef>
+              <a:buFont typeface="Arial" panose="020B0604020202020204" pitchFamily="34" charset="0"/>
+              <a:buChar char="•"/>
+              <a:defRPr sz="2800" kern="1200">
+                <a:solidFill>
+                  <a:schemeClr val="tx1"/>
+                </a:solidFill>
+                <a:latin typeface="+mn-lt"/>
+                <a:ea typeface="+mn-ea"/>
+                <a:cs typeface="+mn-cs"/>
+              </a:defRPr>
+            </a:lvl1pPr>
+            <a:lvl2pPr marL="685800" indent="-228600" algn="l" defTabSz="914400" rtl="0" eaLnBrk="1" latinLnBrk="1" hangingPunct="1">
+              <a:lnSpc>
+                <a:spcPct val="90000"/>
+              </a:lnSpc>
+              <a:spcBef>
+                <a:spcPts val="500"/>
+              </a:spcBef>
+              <a:buFont typeface="Arial" panose="020B0604020202020204" pitchFamily="34" charset="0"/>
+              <a:buChar char="•"/>
+              <a:defRPr sz="2400" kern="1200">
+                <a:solidFill>
+                  <a:schemeClr val="tx1"/>
+                </a:solidFill>
+                <a:latin typeface="+mn-lt"/>
+                <a:ea typeface="+mn-ea"/>
+                <a:cs typeface="+mn-cs"/>
+              </a:defRPr>
+            </a:lvl2pPr>
+            <a:lvl3pPr marL="1143000" indent="-228600" algn="l" defTabSz="914400" rtl="0" eaLnBrk="1" latinLnBrk="1" hangingPunct="1">
+              <a:lnSpc>
+                <a:spcPct val="90000"/>
+              </a:lnSpc>
+              <a:spcBef>
+                <a:spcPts val="500"/>
+              </a:spcBef>
+              <a:buFont typeface="Arial" panose="020B0604020202020204" pitchFamily="34" charset="0"/>
+              <a:buChar char="•"/>
+              <a:defRPr sz="2000" kern="1200">
+                <a:solidFill>
+                  <a:schemeClr val="tx1"/>
+                </a:solidFill>
+                <a:latin typeface="+mn-lt"/>
+                <a:ea typeface="+mn-ea"/>
+                <a:cs typeface="+mn-cs"/>
+              </a:defRPr>
+            </a:lvl3pPr>
+            <a:lvl4pPr marL="1600200" indent="-228600" algn="l" defTabSz="914400" rtl="0" eaLnBrk="1" latinLnBrk="1" hangingPunct="1">
+              <a:lnSpc>
+                <a:spcPct val="90000"/>
+              </a:lnSpc>
+              <a:spcBef>
+                <a:spcPts val="500"/>
+              </a:spcBef>
+              <a:buFont typeface="Arial" panose="020B0604020202020204" pitchFamily="34" charset="0"/>
+              <a:buChar char="•"/>
+              <a:defRPr sz="1800" kern="1200">
+                <a:solidFill>
+                  <a:schemeClr val="tx1"/>
+                </a:solidFill>
+                <a:latin typeface="+mn-lt"/>
+                <a:ea typeface="+mn-ea"/>
+                <a:cs typeface="+mn-cs"/>
+              </a:defRPr>
+            </a:lvl4pPr>
+            <a:lvl5pPr marL="2057400" indent="-228600" algn="l" defTabSz="914400" rtl="0" eaLnBrk="1" latinLnBrk="1" hangingPunct="1">
+              <a:lnSpc>
+                <a:spcPct val="90000"/>
+              </a:lnSpc>
+              <a:spcBef>
+                <a:spcPts val="500"/>
+              </a:spcBef>
+              <a:buFont typeface="Arial" panose="020B0604020202020204" pitchFamily="34" charset="0"/>
+              <a:buChar char="•"/>
+              <a:defRPr sz="1800" kern="1200">
+                <a:solidFill>
+                  <a:schemeClr val="tx1"/>
+                </a:solidFill>
+                <a:latin typeface="+mn-lt"/>
+                <a:ea typeface="+mn-ea"/>
+                <a:cs typeface="+mn-cs"/>
+              </a:defRPr>
+            </a:lvl5pPr>
+            <a:lvl6pPr marL="2514600" indent="-228600" algn="l" defTabSz="914400" rtl="0" eaLnBrk="1" latinLnBrk="1" hangingPunct="1">
+              <a:lnSpc>
+                <a:spcPct val="90000"/>
+              </a:lnSpc>
+              <a:spcBef>
+                <a:spcPts val="500"/>
+              </a:spcBef>
+              <a:buFont typeface="Arial" panose="020B0604020202020204" pitchFamily="34" charset="0"/>
+              <a:buChar char="•"/>
+              <a:defRPr sz="1800" kern="1200">
+                <a:solidFill>
+                  <a:schemeClr val="tx1"/>
+                </a:solidFill>
+                <a:latin typeface="+mn-lt"/>
+                <a:ea typeface="+mn-ea"/>
+                <a:cs typeface="+mn-cs"/>
+              </a:defRPr>
+            </a:lvl6pPr>
+            <a:lvl7pPr marL="2971800" indent="-228600" algn="l" defTabSz="914400" rtl="0" eaLnBrk="1" latinLnBrk="1" hangingPunct="1">
+              <a:lnSpc>
+                <a:spcPct val="90000"/>
+              </a:lnSpc>
+              <a:spcBef>
+                <a:spcPts val="500"/>
+              </a:spcBef>
+              <a:buFont typeface="Arial" panose="020B0604020202020204" pitchFamily="34" charset="0"/>
+              <a:buChar char="•"/>
+              <a:defRPr sz="1800" kern="1200">
+                <a:solidFill>
+                  <a:schemeClr val="tx1"/>
+                </a:solidFill>
+                <a:latin typeface="+mn-lt"/>
+                <a:ea typeface="+mn-ea"/>
+                <a:cs typeface="+mn-cs"/>
+              </a:defRPr>
+            </a:lvl7pPr>
+            <a:lvl8pPr marL="3429000" indent="-228600" algn="l" defTabSz="914400" rtl="0" eaLnBrk="1" latinLnBrk="1" hangingPunct="1">
+              <a:lnSpc>
+                <a:spcPct val="90000"/>
+              </a:lnSpc>
+              <a:spcBef>
+                <a:spcPts val="500"/>
+              </a:spcBef>
+              <a:buFont typeface="Arial" panose="020B0604020202020204" pitchFamily="34" charset="0"/>
+              <a:buChar char="•"/>
+              <a:defRPr sz="1800" kern="1200">
+                <a:solidFill>
+                  <a:schemeClr val="tx1"/>
+                </a:solidFill>
+                <a:latin typeface="+mn-lt"/>
+                <a:ea typeface="+mn-ea"/>
+                <a:cs typeface="+mn-cs"/>
+              </a:defRPr>
+            </a:lvl8pPr>
+            <a:lvl9pPr marL="3886200" indent="-228600" algn="l" defTabSz="914400" rtl="0" eaLnBrk="1" latinLnBrk="1" hangingPunct="1">
+              <a:lnSpc>
+                <a:spcPct val="90000"/>
+              </a:lnSpc>
+              <a:spcBef>
+                <a:spcPts val="500"/>
+              </a:spcBef>
+              <a:buFont typeface="Arial" panose="020B0604020202020204" pitchFamily="34" charset="0"/>
+              <a:buChar char="•"/>
+              <a:defRPr sz="1800" kern="1200">
+                <a:solidFill>
+                  <a:schemeClr val="tx1"/>
+                </a:solidFill>
+                <a:latin typeface="+mn-lt"/>
+                <a:ea typeface="+mn-ea"/>
+                <a:cs typeface="+mn-cs"/>
+              </a:defRPr>
+            </a:lvl9pPr>
+          </a:lstStyle>
+          <a:p>
+            <a:pPr>
+              <a:lnSpc>
+                <a:spcPct val="150000"/>
+              </a:lnSpc>
+              <a:buFont typeface="Wingdings" panose="05000000000000000000" pitchFamily="2" charset="2"/>
+              <a:buChar char="§"/>
+            </a:pPr>
+            <a:r>
+              <a:rPr lang="ko-KR" altLang="en-US" sz="2000" b="1" dirty="0" smtClean="0">
+                <a:solidFill>
+                  <a:srgbClr val="C00000"/>
+                </a:solidFill>
+              </a:rPr>
+              <a:t>열거 타입</a:t>
+            </a:r>
+            <a:endParaRPr lang="en-US" altLang="ko-KR" sz="2000" b="1" dirty="0" smtClean="0">
+              <a:solidFill>
+                <a:srgbClr val="C00000"/>
+              </a:solidFill>
+            </a:endParaRPr>
+          </a:p>
+        </p:txBody>
+      </p:sp>
+      <p:pic>
+        <p:nvPicPr>
           <p:cNvPr id="2" name="그림 1"/>
           <p:cNvPicPr>
             <a:picLocks noChangeAspect="1"/>
@@ -13899,7 +14024,7 @@
 </p:sld>
 </file>
 
-<file path=ppt/slides/slide31.xml><?xml version="1.0" encoding="utf-8"?>
+<file path=ppt/slides/slide32.xml><?xml version="1.0" encoding="utf-8"?>
 <p:sld xmlns:a="http://schemas.openxmlformats.org/drawingml/2006/main" xmlns:r="http://schemas.openxmlformats.org/officeDocument/2006/relationships" xmlns:p="http://schemas.openxmlformats.org/presentationml/2006/main">
   <p:cSld>
     <p:spTree>
